--- a/poster/poster.pptx
+++ b/poster/poster.pptx
@@ -770,7 +770,905 @@
 </c:chartSpace>
 </file>
 
+<file path=ppt/charts/chart2.xml><?xml version="1.0" encoding="utf-8"?>
+<c:chartSpace xmlns:c="http://schemas.openxmlformats.org/drawingml/2006/chart" xmlns:a="http://schemas.openxmlformats.org/drawingml/2006/main" xmlns:r="http://schemas.openxmlformats.org/officeDocument/2006/relationships" xmlns:c16r2="http://schemas.microsoft.com/office/drawing/2015/06/chart">
+  <c:date1904 val="0"/>
+  <c:lang val="en-US"/>
+  <c:roundedCorners val="0"/>
+  <mc:AlternateContent xmlns:mc="http://schemas.openxmlformats.org/markup-compatibility/2006">
+    <mc:Choice xmlns:c14="http://schemas.microsoft.com/office/drawing/2007/8/2/chart" Requires="c14">
+      <c14:style val="102"/>
+    </mc:Choice>
+    <mc:Fallback>
+      <c:style val="2"/>
+    </mc:Fallback>
+  </mc:AlternateContent>
+  <c:chart>
+    <c:title>
+      <c:tx>
+        <c:rich>
+          <a:bodyPr rot="0" spcFirstLastPara="1" vertOverflow="ellipsis" vert="horz" wrap="square" anchor="ctr" anchorCtr="1"/>
+          <a:lstStyle/>
+          <a:p>
+            <a:pPr>
+              <a:defRPr sz="2128" b="1" i="0" u="none" strike="noStrike" kern="1200" baseline="0">
+                <a:solidFill>
+                  <a:schemeClr val="tx1">
+                    <a:lumMod val="65000"/>
+                    <a:lumOff val="35000"/>
+                  </a:schemeClr>
+                </a:solidFill>
+                <a:latin typeface="+mn-lt"/>
+                <a:ea typeface="+mn-ea"/>
+                <a:cs typeface="+mn-cs"/>
+              </a:defRPr>
+            </a:pPr>
+            <a:r>
+              <a:rPr lang="sr-Latn-RS"/>
+              <a:t>Iteriranje kroz epohe</a:t>
+            </a:r>
+            <a:endParaRPr lang="en-US"/>
+          </a:p>
+        </c:rich>
+      </c:tx>
+      <c:overlay val="0"/>
+      <c:spPr>
+        <a:noFill/>
+        <a:ln>
+          <a:noFill/>
+        </a:ln>
+        <a:effectLst/>
+      </c:spPr>
+      <c:txPr>
+        <a:bodyPr rot="0" spcFirstLastPara="1" vertOverflow="ellipsis" vert="horz" wrap="square" anchor="ctr" anchorCtr="1"/>
+        <a:lstStyle/>
+        <a:p>
+          <a:pPr>
+            <a:defRPr sz="2128" b="1" i="0" u="none" strike="noStrike" kern="1200" baseline="0">
+              <a:solidFill>
+                <a:schemeClr val="tx1">
+                  <a:lumMod val="65000"/>
+                  <a:lumOff val="35000"/>
+                </a:schemeClr>
+              </a:solidFill>
+              <a:latin typeface="+mn-lt"/>
+              <a:ea typeface="+mn-ea"/>
+              <a:cs typeface="+mn-cs"/>
+            </a:defRPr>
+          </a:pPr>
+          <a:endParaRPr lang="en-US"/>
+        </a:p>
+      </c:txPr>
+    </c:title>
+    <c:autoTitleDeleted val="0"/>
+    <c:plotArea>
+      <c:layout/>
+      <c:lineChart>
+        <c:grouping val="standard"/>
+        <c:varyColors val="0"/>
+        <c:ser>
+          <c:idx val="0"/>
+          <c:order val="0"/>
+          <c:tx>
+            <c:strRef>
+              <c:f>Sheet1!$B$1</c:f>
+              <c:strCache>
+                <c:ptCount val="1"/>
+                <c:pt idx="0">
+                  <c:v>MSE</c:v>
+                </c:pt>
+              </c:strCache>
+            </c:strRef>
+          </c:tx>
+          <c:spPr>
+            <a:ln w="34925" cap="rnd">
+              <a:solidFill>
+                <a:schemeClr val="accent1"/>
+              </a:solidFill>
+              <a:round/>
+            </a:ln>
+            <a:effectLst>
+              <a:outerShdw blurRad="40000" dist="23000" dir="5400000" rotWithShape="0">
+                <a:srgbClr val="000000">
+                  <a:alpha val="35000"/>
+                </a:srgbClr>
+              </a:outerShdw>
+            </a:effectLst>
+          </c:spPr>
+          <c:marker>
+            <c:symbol val="none"/>
+          </c:marker>
+          <c:cat>
+            <c:numRef>
+              <c:f>Sheet1!$A$2:$A$15</c:f>
+              <c:numCache>
+                <c:formatCode>General</c:formatCode>
+                <c:ptCount val="14"/>
+                <c:pt idx="0">
+                  <c:v>1</c:v>
+                </c:pt>
+                <c:pt idx="1">
+                  <c:v>2</c:v>
+                </c:pt>
+                <c:pt idx="2">
+                  <c:v>3</c:v>
+                </c:pt>
+                <c:pt idx="3">
+                  <c:v>4</c:v>
+                </c:pt>
+                <c:pt idx="4">
+                  <c:v>5</c:v>
+                </c:pt>
+                <c:pt idx="5">
+                  <c:v>8</c:v>
+                </c:pt>
+                <c:pt idx="6">
+                  <c:v>10</c:v>
+                </c:pt>
+                <c:pt idx="7">
+                  <c:v>12</c:v>
+                </c:pt>
+                <c:pt idx="8">
+                  <c:v>20</c:v>
+                </c:pt>
+                <c:pt idx="9">
+                  <c:v>28</c:v>
+                </c:pt>
+                <c:pt idx="10">
+                  <c:v>35</c:v>
+                </c:pt>
+                <c:pt idx="11">
+                  <c:v>60</c:v>
+                </c:pt>
+                <c:pt idx="12">
+                  <c:v>72</c:v>
+                </c:pt>
+                <c:pt idx="13">
+                  <c:v>84</c:v>
+                </c:pt>
+              </c:numCache>
+            </c:numRef>
+          </c:cat>
+          <c:val>
+            <c:numRef>
+              <c:f>Sheet1!$B$2:$B$15</c:f>
+              <c:numCache>
+                <c:formatCode>General</c:formatCode>
+                <c:ptCount val="14"/>
+                <c:pt idx="0">
+                  <c:v>8.3000000000000004E-2</c:v>
+                </c:pt>
+                <c:pt idx="1">
+                  <c:v>6.9000000000000006E-2</c:v>
+                </c:pt>
+                <c:pt idx="2">
+                  <c:v>6.4100000000000004E-2</c:v>
+                </c:pt>
+                <c:pt idx="3">
+                  <c:v>5.4199999999999998E-2</c:v>
+                </c:pt>
+                <c:pt idx="4">
+                  <c:v>5.16E-2</c:v>
+                </c:pt>
+                <c:pt idx="5">
+                  <c:v>4.8099999999999997E-2</c:v>
+                </c:pt>
+                <c:pt idx="6">
+                  <c:v>3.9399999999999998E-2</c:v>
+                </c:pt>
+                <c:pt idx="7">
+                  <c:v>3.1899999999999998E-2</c:v>
+                </c:pt>
+                <c:pt idx="8">
+                  <c:v>2.5000000000000001E-2</c:v>
+                </c:pt>
+                <c:pt idx="9">
+                  <c:v>2.0500000000000001E-2</c:v>
+                </c:pt>
+                <c:pt idx="10">
+                  <c:v>1.5800000000000002E-2</c:v>
+                </c:pt>
+                <c:pt idx="11">
+                  <c:v>1.0999999999999999E-2</c:v>
+                </c:pt>
+                <c:pt idx="12">
+                  <c:v>9.4000000000000004E-3</c:v>
+                </c:pt>
+                <c:pt idx="13">
+                  <c:v>6.4000000000000003E-3</c:v>
+                </c:pt>
+              </c:numCache>
+            </c:numRef>
+          </c:val>
+          <c:smooth val="0"/>
+          <c:extLst>
+            <c:ext xmlns:c16="http://schemas.microsoft.com/office/drawing/2014/chart" uri="{C3380CC4-5D6E-409C-BE32-E72D297353CC}">
+              <c16:uniqueId val="{00000000-E9A9-4D2F-8334-4ADC125F7509}"/>
+            </c:ext>
+          </c:extLst>
+        </c:ser>
+        <c:dLbls>
+          <c:showLegendKey val="0"/>
+          <c:showVal val="0"/>
+          <c:showCatName val="0"/>
+          <c:showSerName val="0"/>
+          <c:showPercent val="0"/>
+          <c:showBubbleSize val="0"/>
+        </c:dLbls>
+        <c:smooth val="0"/>
+        <c:axId val="925753215"/>
+        <c:axId val="925755711"/>
+      </c:lineChart>
+      <c:catAx>
+        <c:axId val="925753215"/>
+        <c:scaling>
+          <c:orientation val="minMax"/>
+        </c:scaling>
+        <c:delete val="0"/>
+        <c:axPos val="b"/>
+        <c:numFmt formatCode="General" sourceLinked="1"/>
+        <c:majorTickMark val="none"/>
+        <c:minorTickMark val="none"/>
+        <c:tickLblPos val="nextTo"/>
+        <c:spPr>
+          <a:noFill/>
+          <a:ln w="12700" cap="flat" cmpd="sng" algn="ctr">
+            <a:solidFill>
+              <a:schemeClr val="tx1">
+                <a:lumMod val="15000"/>
+                <a:lumOff val="85000"/>
+              </a:schemeClr>
+            </a:solidFill>
+            <a:round/>
+          </a:ln>
+          <a:effectLst/>
+        </c:spPr>
+        <c:txPr>
+          <a:bodyPr rot="-60000000" spcFirstLastPara="1" vertOverflow="ellipsis" vert="horz" wrap="square" anchor="ctr" anchorCtr="1"/>
+          <a:lstStyle/>
+          <a:p>
+            <a:pPr>
+              <a:defRPr sz="1400" b="0" i="0" u="none" strike="noStrike" kern="1200" baseline="0">
+                <a:solidFill>
+                  <a:schemeClr val="tx1">
+                    <a:lumMod val="65000"/>
+                    <a:lumOff val="35000"/>
+                  </a:schemeClr>
+                </a:solidFill>
+                <a:latin typeface="+mn-lt"/>
+                <a:ea typeface="+mn-ea"/>
+                <a:cs typeface="+mn-cs"/>
+              </a:defRPr>
+            </a:pPr>
+            <a:endParaRPr lang="en-US"/>
+          </a:p>
+        </c:txPr>
+        <c:crossAx val="925755711"/>
+        <c:crosses val="autoZero"/>
+        <c:auto val="1"/>
+        <c:lblAlgn val="ctr"/>
+        <c:lblOffset val="100"/>
+        <c:noMultiLvlLbl val="0"/>
+      </c:catAx>
+      <c:valAx>
+        <c:axId val="925755711"/>
+        <c:scaling>
+          <c:orientation val="minMax"/>
+        </c:scaling>
+        <c:delete val="0"/>
+        <c:axPos val="l"/>
+        <c:majorGridlines>
+          <c:spPr>
+            <a:ln w="9525" cap="flat" cmpd="sng" algn="ctr">
+              <a:solidFill>
+                <a:schemeClr val="tx1">
+                  <a:lumMod val="15000"/>
+                  <a:lumOff val="85000"/>
+                </a:schemeClr>
+              </a:solidFill>
+              <a:round/>
+            </a:ln>
+            <a:effectLst/>
+          </c:spPr>
+        </c:majorGridlines>
+        <c:numFmt formatCode="General" sourceLinked="1"/>
+        <c:majorTickMark val="none"/>
+        <c:minorTickMark val="none"/>
+        <c:tickLblPos val="nextTo"/>
+        <c:spPr>
+          <a:noFill/>
+          <a:ln>
+            <a:noFill/>
+          </a:ln>
+          <a:effectLst/>
+        </c:spPr>
+        <c:txPr>
+          <a:bodyPr rot="-60000000" spcFirstLastPara="1" vertOverflow="ellipsis" vert="horz" wrap="square" anchor="ctr" anchorCtr="1"/>
+          <a:lstStyle/>
+          <a:p>
+            <a:pPr>
+              <a:defRPr sz="1400" b="0" i="0" u="none" strike="noStrike" kern="1200" baseline="0">
+                <a:solidFill>
+                  <a:schemeClr val="tx1">
+                    <a:lumMod val="65000"/>
+                    <a:lumOff val="35000"/>
+                  </a:schemeClr>
+                </a:solidFill>
+                <a:latin typeface="+mn-lt"/>
+                <a:ea typeface="+mn-ea"/>
+                <a:cs typeface="+mn-cs"/>
+              </a:defRPr>
+            </a:pPr>
+            <a:endParaRPr lang="en-US"/>
+          </a:p>
+        </c:txPr>
+        <c:crossAx val="925753215"/>
+        <c:crosses val="autoZero"/>
+        <c:crossBetween val="between"/>
+      </c:valAx>
+      <c:spPr>
+        <a:noFill/>
+        <a:ln>
+          <a:noFill/>
+        </a:ln>
+        <a:effectLst/>
+      </c:spPr>
+    </c:plotArea>
+    <c:legend>
+      <c:legendPos val="b"/>
+      <c:overlay val="0"/>
+      <c:spPr>
+        <a:noFill/>
+        <a:ln>
+          <a:noFill/>
+        </a:ln>
+        <a:effectLst/>
+      </c:spPr>
+      <c:txPr>
+        <a:bodyPr rot="0" spcFirstLastPara="1" vertOverflow="ellipsis" vert="horz" wrap="square" anchor="ctr" anchorCtr="1"/>
+        <a:lstStyle/>
+        <a:p>
+          <a:pPr>
+            <a:defRPr sz="1400" b="0" i="0" u="none" strike="noStrike" kern="1200" baseline="0">
+              <a:solidFill>
+                <a:schemeClr val="tx1">
+                  <a:lumMod val="65000"/>
+                  <a:lumOff val="35000"/>
+                </a:schemeClr>
+              </a:solidFill>
+              <a:latin typeface="+mn-lt"/>
+              <a:ea typeface="+mn-ea"/>
+              <a:cs typeface="+mn-cs"/>
+            </a:defRPr>
+          </a:pPr>
+          <a:endParaRPr lang="en-US"/>
+        </a:p>
+      </c:txPr>
+    </c:legend>
+    <c:plotVisOnly val="1"/>
+    <c:dispBlanksAs val="gap"/>
+    <c:extLst>
+      <c:ext xmlns:c16r3="http://schemas.microsoft.com/office/drawing/2017/03/chart" uri="{56B9EC1D-385E-4148-901F-78D8002777C0}">
+        <c16r3:dataDisplayOptions16>
+          <c16r3:dispNaAsBlank val="1"/>
+        </c16r3:dataDisplayOptions16>
+      </c:ext>
+    </c:extLst>
+    <c:showDLblsOverMax val="0"/>
+  </c:chart>
+  <c:spPr>
+    <a:noFill/>
+    <a:ln>
+      <a:noFill/>
+    </a:ln>
+    <a:effectLst/>
+  </c:spPr>
+  <c:txPr>
+    <a:bodyPr/>
+    <a:lstStyle/>
+    <a:p>
+      <a:pPr>
+        <a:defRPr/>
+      </a:pPr>
+      <a:endParaRPr lang="en-US"/>
+    </a:p>
+  </c:txPr>
+  <c:externalData r:id="rId3">
+    <c:autoUpdate val="0"/>
+  </c:externalData>
+</c:chartSpace>
+</file>
+
+<file path=ppt/charts/chart3.xml><?xml version="1.0" encoding="utf-8"?>
+<c:chartSpace xmlns:c="http://schemas.openxmlformats.org/drawingml/2006/chart" xmlns:a="http://schemas.openxmlformats.org/drawingml/2006/main" xmlns:r="http://schemas.openxmlformats.org/officeDocument/2006/relationships" xmlns:c16r2="http://schemas.microsoft.com/office/drawing/2015/06/chart">
+  <c:date1904 val="0"/>
+  <c:lang val="en-US"/>
+  <c:roundedCorners val="0"/>
+  <mc:AlternateContent xmlns:mc="http://schemas.openxmlformats.org/markup-compatibility/2006">
+    <mc:Choice xmlns:c14="http://schemas.microsoft.com/office/drawing/2007/8/2/chart" Requires="c14">
+      <c14:style val="102"/>
+    </mc:Choice>
+    <mc:Fallback>
+      <c:style val="2"/>
+    </mc:Fallback>
+  </mc:AlternateContent>
+  <c:chart>
+    <c:title>
+      <c:tx>
+        <c:rich>
+          <a:bodyPr rot="0" spcFirstLastPara="1" vertOverflow="ellipsis" vert="horz" wrap="square" anchor="ctr" anchorCtr="1"/>
+          <a:lstStyle/>
+          <a:p>
+            <a:pPr>
+              <a:defRPr sz="2128" b="1" i="0" u="none" strike="noStrike" kern="1200" baseline="0">
+                <a:solidFill>
+                  <a:schemeClr val="tx1">
+                    <a:lumMod val="65000"/>
+                    <a:lumOff val="35000"/>
+                  </a:schemeClr>
+                </a:solidFill>
+                <a:latin typeface="+mn-lt"/>
+                <a:ea typeface="+mn-ea"/>
+                <a:cs typeface="+mn-cs"/>
+              </a:defRPr>
+            </a:pPr>
+            <a:r>
+              <a:rPr lang="sr-Latn-RS"/>
+              <a:t>Iteriranje kroz epohe</a:t>
+            </a:r>
+            <a:endParaRPr lang="en-US"/>
+          </a:p>
+        </c:rich>
+      </c:tx>
+      <c:overlay val="0"/>
+      <c:spPr>
+        <a:noFill/>
+        <a:ln>
+          <a:noFill/>
+        </a:ln>
+        <a:effectLst/>
+      </c:spPr>
+      <c:txPr>
+        <a:bodyPr rot="0" spcFirstLastPara="1" vertOverflow="ellipsis" vert="horz" wrap="square" anchor="ctr" anchorCtr="1"/>
+        <a:lstStyle/>
+        <a:p>
+          <a:pPr>
+            <a:defRPr sz="2128" b="1" i="0" u="none" strike="noStrike" kern="1200" baseline="0">
+              <a:solidFill>
+                <a:schemeClr val="tx1">
+                  <a:lumMod val="65000"/>
+                  <a:lumOff val="35000"/>
+                </a:schemeClr>
+              </a:solidFill>
+              <a:latin typeface="+mn-lt"/>
+              <a:ea typeface="+mn-ea"/>
+              <a:cs typeface="+mn-cs"/>
+            </a:defRPr>
+          </a:pPr>
+          <a:endParaRPr lang="en-US"/>
+        </a:p>
+      </c:txPr>
+    </c:title>
+    <c:autoTitleDeleted val="0"/>
+    <c:plotArea>
+      <c:layout/>
+      <c:lineChart>
+        <c:grouping val="standard"/>
+        <c:varyColors val="0"/>
+        <c:ser>
+          <c:idx val="0"/>
+          <c:order val="0"/>
+          <c:tx>
+            <c:strRef>
+              <c:f>Sheet1!$B$1</c:f>
+              <c:strCache>
+                <c:ptCount val="1"/>
+                <c:pt idx="0">
+                  <c:v>Accuracy</c:v>
+                </c:pt>
+              </c:strCache>
+            </c:strRef>
+          </c:tx>
+          <c:spPr>
+            <a:ln w="34925" cap="rnd">
+              <a:solidFill>
+                <a:schemeClr val="accent1"/>
+              </a:solidFill>
+              <a:round/>
+            </a:ln>
+            <a:effectLst>
+              <a:outerShdw blurRad="40000" dist="23000" dir="5400000" rotWithShape="0">
+                <a:srgbClr val="000000">
+                  <a:alpha val="35000"/>
+                </a:srgbClr>
+              </a:outerShdw>
+            </a:effectLst>
+          </c:spPr>
+          <c:marker>
+            <c:symbol val="none"/>
+          </c:marker>
+          <c:cat>
+            <c:numRef>
+              <c:f>Sheet1!$A$2:$A$15</c:f>
+              <c:numCache>
+                <c:formatCode>General</c:formatCode>
+                <c:ptCount val="14"/>
+                <c:pt idx="0">
+                  <c:v>1</c:v>
+                </c:pt>
+                <c:pt idx="1">
+                  <c:v>2</c:v>
+                </c:pt>
+                <c:pt idx="2">
+                  <c:v>3</c:v>
+                </c:pt>
+                <c:pt idx="3">
+                  <c:v>4</c:v>
+                </c:pt>
+                <c:pt idx="4">
+                  <c:v>5</c:v>
+                </c:pt>
+                <c:pt idx="5">
+                  <c:v>8</c:v>
+                </c:pt>
+                <c:pt idx="6">
+                  <c:v>10</c:v>
+                </c:pt>
+                <c:pt idx="7">
+                  <c:v>12</c:v>
+                </c:pt>
+                <c:pt idx="8">
+                  <c:v>20</c:v>
+                </c:pt>
+                <c:pt idx="9">
+                  <c:v>28</c:v>
+                </c:pt>
+                <c:pt idx="10">
+                  <c:v>35</c:v>
+                </c:pt>
+                <c:pt idx="11">
+                  <c:v>60</c:v>
+                </c:pt>
+                <c:pt idx="12">
+                  <c:v>72</c:v>
+                </c:pt>
+                <c:pt idx="13">
+                  <c:v>84</c:v>
+                </c:pt>
+              </c:numCache>
+            </c:numRef>
+          </c:cat>
+          <c:val>
+            <c:numRef>
+              <c:f>Sheet1!$B$2:$B$15</c:f>
+              <c:numCache>
+                <c:formatCode>General</c:formatCode>
+                <c:ptCount val="14"/>
+                <c:pt idx="0">
+                  <c:v>0.88900000000000001</c:v>
+                </c:pt>
+                <c:pt idx="1">
+                  <c:v>0.9093</c:v>
+                </c:pt>
+                <c:pt idx="2">
+                  <c:v>0.91879999999999995</c:v>
+                </c:pt>
+                <c:pt idx="3">
+                  <c:v>0.93010000000000004</c:v>
+                </c:pt>
+                <c:pt idx="4">
+                  <c:v>0.93279999999999996</c:v>
+                </c:pt>
+                <c:pt idx="5">
+                  <c:v>0.93930000000000002</c:v>
+                </c:pt>
+                <c:pt idx="6">
+                  <c:v>0.94940000000000002</c:v>
+                </c:pt>
+                <c:pt idx="7">
+                  <c:v>0.95789999999999997</c:v>
+                </c:pt>
+                <c:pt idx="8">
+                  <c:v>0.9677</c:v>
+                </c:pt>
+                <c:pt idx="9">
+                  <c:v>0.97360000000000002</c:v>
+                </c:pt>
+                <c:pt idx="10">
+                  <c:v>0.98099999999999998</c:v>
+                </c:pt>
+                <c:pt idx="11">
+                  <c:v>0.98650000000000004</c:v>
+                </c:pt>
+                <c:pt idx="12">
+                  <c:v>0.98799999999999999</c:v>
+                </c:pt>
+                <c:pt idx="13">
+                  <c:v>0.99180000000000001</c:v>
+                </c:pt>
+              </c:numCache>
+            </c:numRef>
+          </c:val>
+          <c:smooth val="0"/>
+          <c:extLst>
+            <c:ext xmlns:c16="http://schemas.microsoft.com/office/drawing/2014/chart" uri="{C3380CC4-5D6E-409C-BE32-E72D297353CC}">
+              <c16:uniqueId val="{00000000-3497-466E-AFBA-01B747315D4C}"/>
+            </c:ext>
+          </c:extLst>
+        </c:ser>
+        <c:dLbls>
+          <c:showLegendKey val="0"/>
+          <c:showVal val="0"/>
+          <c:showCatName val="0"/>
+          <c:showSerName val="0"/>
+          <c:showPercent val="0"/>
+          <c:showBubbleSize val="0"/>
+        </c:dLbls>
+        <c:smooth val="0"/>
+        <c:axId val="925753215"/>
+        <c:axId val="925755711"/>
+      </c:lineChart>
+      <c:catAx>
+        <c:axId val="925753215"/>
+        <c:scaling>
+          <c:orientation val="minMax"/>
+        </c:scaling>
+        <c:delete val="0"/>
+        <c:axPos val="b"/>
+        <c:numFmt formatCode="General" sourceLinked="1"/>
+        <c:majorTickMark val="none"/>
+        <c:minorTickMark val="none"/>
+        <c:tickLblPos val="nextTo"/>
+        <c:spPr>
+          <a:noFill/>
+          <a:ln w="12700" cap="flat" cmpd="sng" algn="ctr">
+            <a:solidFill>
+              <a:schemeClr val="tx1">
+                <a:lumMod val="15000"/>
+                <a:lumOff val="85000"/>
+              </a:schemeClr>
+            </a:solidFill>
+            <a:round/>
+          </a:ln>
+          <a:effectLst/>
+        </c:spPr>
+        <c:txPr>
+          <a:bodyPr rot="-60000000" spcFirstLastPara="1" vertOverflow="ellipsis" vert="horz" wrap="square" anchor="ctr" anchorCtr="1"/>
+          <a:lstStyle/>
+          <a:p>
+            <a:pPr>
+              <a:defRPr sz="1400" b="0" i="0" u="none" strike="noStrike" kern="1200" baseline="0">
+                <a:solidFill>
+                  <a:schemeClr val="tx1">
+                    <a:lumMod val="65000"/>
+                    <a:lumOff val="35000"/>
+                  </a:schemeClr>
+                </a:solidFill>
+                <a:latin typeface="+mn-lt"/>
+                <a:ea typeface="+mn-ea"/>
+                <a:cs typeface="+mn-cs"/>
+              </a:defRPr>
+            </a:pPr>
+            <a:endParaRPr lang="en-US"/>
+          </a:p>
+        </c:txPr>
+        <c:crossAx val="925755711"/>
+        <c:crosses val="autoZero"/>
+        <c:auto val="1"/>
+        <c:lblAlgn val="ctr"/>
+        <c:lblOffset val="100"/>
+        <c:noMultiLvlLbl val="0"/>
+      </c:catAx>
+      <c:valAx>
+        <c:axId val="925755711"/>
+        <c:scaling>
+          <c:orientation val="minMax"/>
+        </c:scaling>
+        <c:delete val="0"/>
+        <c:axPos val="l"/>
+        <c:majorGridlines>
+          <c:spPr>
+            <a:ln w="9525" cap="flat" cmpd="sng" algn="ctr">
+              <a:solidFill>
+                <a:schemeClr val="tx1">
+                  <a:lumMod val="15000"/>
+                  <a:lumOff val="85000"/>
+                </a:schemeClr>
+              </a:solidFill>
+              <a:round/>
+            </a:ln>
+            <a:effectLst/>
+          </c:spPr>
+        </c:majorGridlines>
+        <c:numFmt formatCode="General" sourceLinked="1"/>
+        <c:majorTickMark val="none"/>
+        <c:minorTickMark val="none"/>
+        <c:tickLblPos val="nextTo"/>
+        <c:spPr>
+          <a:noFill/>
+          <a:ln>
+            <a:noFill/>
+          </a:ln>
+          <a:effectLst/>
+        </c:spPr>
+        <c:txPr>
+          <a:bodyPr rot="-60000000" spcFirstLastPara="1" vertOverflow="ellipsis" vert="horz" wrap="square" anchor="ctr" anchorCtr="1"/>
+          <a:lstStyle/>
+          <a:p>
+            <a:pPr>
+              <a:defRPr sz="1400" b="0" i="0" u="none" strike="noStrike" kern="1200" baseline="0">
+                <a:solidFill>
+                  <a:schemeClr val="tx1">
+                    <a:lumMod val="65000"/>
+                    <a:lumOff val="35000"/>
+                  </a:schemeClr>
+                </a:solidFill>
+                <a:latin typeface="+mn-lt"/>
+                <a:ea typeface="+mn-ea"/>
+                <a:cs typeface="+mn-cs"/>
+              </a:defRPr>
+            </a:pPr>
+            <a:endParaRPr lang="en-US"/>
+          </a:p>
+        </c:txPr>
+        <c:crossAx val="925753215"/>
+        <c:crosses val="autoZero"/>
+        <c:crossBetween val="between"/>
+      </c:valAx>
+      <c:spPr>
+        <a:noFill/>
+        <a:ln>
+          <a:noFill/>
+        </a:ln>
+        <a:effectLst/>
+      </c:spPr>
+    </c:plotArea>
+    <c:legend>
+      <c:legendPos val="b"/>
+      <c:overlay val="0"/>
+      <c:spPr>
+        <a:noFill/>
+        <a:ln>
+          <a:noFill/>
+        </a:ln>
+        <a:effectLst/>
+      </c:spPr>
+      <c:txPr>
+        <a:bodyPr rot="0" spcFirstLastPara="1" vertOverflow="ellipsis" vert="horz" wrap="square" anchor="ctr" anchorCtr="1"/>
+        <a:lstStyle/>
+        <a:p>
+          <a:pPr>
+            <a:defRPr sz="1400" b="0" i="0" u="none" strike="noStrike" kern="1200" baseline="0">
+              <a:solidFill>
+                <a:schemeClr val="tx1">
+                  <a:lumMod val="65000"/>
+                  <a:lumOff val="35000"/>
+                </a:schemeClr>
+              </a:solidFill>
+              <a:latin typeface="+mn-lt"/>
+              <a:ea typeface="+mn-ea"/>
+              <a:cs typeface="+mn-cs"/>
+            </a:defRPr>
+          </a:pPr>
+          <a:endParaRPr lang="en-US"/>
+        </a:p>
+      </c:txPr>
+    </c:legend>
+    <c:plotVisOnly val="1"/>
+    <c:dispBlanksAs val="gap"/>
+    <c:extLst>
+      <c:ext xmlns:c16r3="http://schemas.microsoft.com/office/drawing/2017/03/chart" uri="{56B9EC1D-385E-4148-901F-78D8002777C0}">
+        <c16r3:dataDisplayOptions16>
+          <c16r3:dispNaAsBlank val="1"/>
+        </c16r3:dataDisplayOptions16>
+      </c:ext>
+    </c:extLst>
+    <c:showDLblsOverMax val="0"/>
+  </c:chart>
+  <c:spPr>
+    <a:noFill/>
+    <a:ln>
+      <a:noFill/>
+    </a:ln>
+    <a:effectLst/>
+  </c:spPr>
+  <c:txPr>
+    <a:bodyPr/>
+    <a:lstStyle/>
+    <a:p>
+      <a:pPr>
+        <a:defRPr/>
+      </a:pPr>
+      <a:endParaRPr lang="en-US"/>
+    </a:p>
+  </c:txPr>
+  <c:externalData r:id="rId3">
+    <c:autoUpdate val="0"/>
+  </c:externalData>
+</c:chartSpace>
+</file>
+
 <file path=ppt/charts/colors1.xml><?xml version="1.0" encoding="utf-8"?>
+<cs:colorStyle xmlns:cs="http://schemas.microsoft.com/office/drawing/2012/chartStyle" xmlns:a="http://schemas.openxmlformats.org/drawingml/2006/main" meth="cycle" id="10">
+  <a:schemeClr val="accent1"/>
+  <a:schemeClr val="accent2"/>
+  <a:schemeClr val="accent3"/>
+  <a:schemeClr val="accent4"/>
+  <a:schemeClr val="accent5"/>
+  <a:schemeClr val="accent6"/>
+  <cs:variation/>
+  <cs:variation>
+    <a:lumMod val="60000"/>
+  </cs:variation>
+  <cs:variation>
+    <a:lumMod val="80000"/>
+    <a:lumOff val="20000"/>
+  </cs:variation>
+  <cs:variation>
+    <a:lumMod val="80000"/>
+  </cs:variation>
+  <cs:variation>
+    <a:lumMod val="60000"/>
+    <a:lumOff val="40000"/>
+  </cs:variation>
+  <cs:variation>
+    <a:lumMod val="50000"/>
+  </cs:variation>
+  <cs:variation>
+    <a:lumMod val="70000"/>
+    <a:lumOff val="30000"/>
+  </cs:variation>
+  <cs:variation>
+    <a:lumMod val="70000"/>
+  </cs:variation>
+  <cs:variation>
+    <a:lumMod val="50000"/>
+    <a:lumOff val="50000"/>
+  </cs:variation>
+</cs:colorStyle>
+</file>
+
+<file path=ppt/charts/colors2.xml><?xml version="1.0" encoding="utf-8"?>
+<cs:colorStyle xmlns:cs="http://schemas.microsoft.com/office/drawing/2012/chartStyle" xmlns:a="http://schemas.openxmlformats.org/drawingml/2006/main" meth="cycle" id="10">
+  <a:schemeClr val="accent1"/>
+  <a:schemeClr val="accent2"/>
+  <a:schemeClr val="accent3"/>
+  <a:schemeClr val="accent4"/>
+  <a:schemeClr val="accent5"/>
+  <a:schemeClr val="accent6"/>
+  <cs:variation/>
+  <cs:variation>
+    <a:lumMod val="60000"/>
+  </cs:variation>
+  <cs:variation>
+    <a:lumMod val="80000"/>
+    <a:lumOff val="20000"/>
+  </cs:variation>
+  <cs:variation>
+    <a:lumMod val="80000"/>
+  </cs:variation>
+  <cs:variation>
+    <a:lumMod val="60000"/>
+    <a:lumOff val="40000"/>
+  </cs:variation>
+  <cs:variation>
+    <a:lumMod val="50000"/>
+  </cs:variation>
+  <cs:variation>
+    <a:lumMod val="70000"/>
+    <a:lumOff val="30000"/>
+  </cs:variation>
+  <cs:variation>
+    <a:lumMod val="70000"/>
+  </cs:variation>
+  <cs:variation>
+    <a:lumMod val="50000"/>
+    <a:lumOff val="50000"/>
+  </cs:variation>
+</cs:colorStyle>
+</file>
+
+<file path=ppt/charts/colors3.xml><?xml version="1.0" encoding="utf-8"?>
 <cs:colorStyle xmlns:cs="http://schemas.microsoft.com/office/drawing/2012/chartStyle" xmlns:a="http://schemas.openxmlformats.org/drawingml/2006/main" meth="cycle" id="10">
   <a:schemeClr val="accent1"/>
   <a:schemeClr val="accent2"/>
@@ -1312,6 +2210,1010 @@
 </cs:chartStyle>
 </file>
 
+<file path=ppt/charts/style2.xml><?xml version="1.0" encoding="utf-8"?>
+<cs:chartStyle xmlns:cs="http://schemas.microsoft.com/office/drawing/2012/chartStyle" xmlns:a="http://schemas.openxmlformats.org/drawingml/2006/main" id="342">
+  <cs:axisTitle>
+    <cs:lnRef idx="0"/>
+    <cs:fillRef idx="0"/>
+    <cs:effectRef idx="0"/>
+    <cs:fontRef idx="minor">
+      <a:schemeClr val="tx1">
+        <a:lumMod val="65000"/>
+        <a:lumOff val="35000"/>
+      </a:schemeClr>
+    </cs:fontRef>
+    <cs:defRPr sz="1197" kern="1200"/>
+  </cs:axisTitle>
+  <cs:categoryAxis>
+    <cs:lnRef idx="0"/>
+    <cs:fillRef idx="0"/>
+    <cs:effectRef idx="0"/>
+    <cs:fontRef idx="minor">
+      <a:schemeClr val="tx1">
+        <a:lumMod val="65000"/>
+        <a:lumOff val="35000"/>
+      </a:schemeClr>
+    </cs:fontRef>
+    <cs:spPr>
+      <a:ln w="12700" cap="flat" cmpd="sng" algn="ctr">
+        <a:solidFill>
+          <a:schemeClr val="tx1">
+            <a:lumMod val="15000"/>
+            <a:lumOff val="85000"/>
+          </a:schemeClr>
+        </a:solidFill>
+        <a:round/>
+      </a:ln>
+    </cs:spPr>
+    <cs:defRPr sz="1197" kern="1200"/>
+  </cs:categoryAxis>
+  <cs:chartArea mods="allowNoFillOverride allowNoLineOverride">
+    <cs:lnRef idx="0"/>
+    <cs:fillRef idx="0"/>
+    <cs:effectRef idx="0"/>
+    <cs:fontRef idx="minor">
+      <a:schemeClr val="tx2"/>
+    </cs:fontRef>
+    <cs:spPr>
+      <a:solidFill>
+        <a:schemeClr val="bg1"/>
+      </a:solidFill>
+      <a:ln w="9525" cap="flat" cmpd="sng" algn="ctr">
+        <a:solidFill>
+          <a:schemeClr val="tx1">
+            <a:lumMod val="15000"/>
+            <a:lumOff val="85000"/>
+          </a:schemeClr>
+        </a:solidFill>
+        <a:round/>
+      </a:ln>
+    </cs:spPr>
+    <cs:defRPr sz="1197" kern="1200"/>
+  </cs:chartArea>
+  <cs:dataLabel>
+    <cs:lnRef idx="0"/>
+    <cs:fillRef idx="0"/>
+    <cs:effectRef idx="0"/>
+    <cs:fontRef idx="minor">
+      <a:schemeClr val="tx1">
+        <a:lumMod val="75000"/>
+        <a:lumOff val="25000"/>
+      </a:schemeClr>
+    </cs:fontRef>
+    <cs:defRPr sz="1197" kern="1200"/>
+  </cs:dataLabel>
+  <cs:dataLabelCallout>
+    <cs:lnRef idx="0"/>
+    <cs:fillRef idx="0"/>
+    <cs:effectRef idx="0"/>
+    <cs:fontRef idx="minor">
+      <a:schemeClr val="dk1">
+        <a:lumMod val="65000"/>
+        <a:lumOff val="35000"/>
+      </a:schemeClr>
+    </cs:fontRef>
+    <cs:spPr>
+      <a:solidFill>
+        <a:schemeClr val="lt1"/>
+      </a:solidFill>
+      <a:ln>
+        <a:solidFill>
+          <a:schemeClr val="dk1">
+            <a:lumMod val="25000"/>
+            <a:lumOff val="75000"/>
+          </a:schemeClr>
+        </a:solidFill>
+      </a:ln>
+    </cs:spPr>
+    <cs:defRPr sz="1197" kern="1200"/>
+    <cs:bodyPr rot="0" spcFirstLastPara="1" vertOverflow="clip" horzOverflow="clip" vert="horz" wrap="square" lIns="36576" tIns="18288" rIns="36576" bIns="18288" anchor="ctr" anchorCtr="1">
+      <a:spAutoFit/>
+    </cs:bodyPr>
+  </cs:dataLabelCallout>
+  <cs:dataPoint>
+    <cs:lnRef idx="0"/>
+    <cs:fillRef idx="3">
+      <cs:styleClr val="auto"/>
+    </cs:fillRef>
+    <cs:effectRef idx="3"/>
+    <cs:fontRef idx="minor">
+      <a:schemeClr val="tx1"/>
+    </cs:fontRef>
+  </cs:dataPoint>
+  <cs:dataPoint3D>
+    <cs:lnRef idx="0"/>
+    <cs:fillRef idx="3">
+      <cs:styleClr val="auto"/>
+    </cs:fillRef>
+    <cs:effectRef idx="3"/>
+    <cs:fontRef idx="minor">
+      <a:schemeClr val="tx1"/>
+    </cs:fontRef>
+  </cs:dataPoint3D>
+  <cs:dataPointLine>
+    <cs:lnRef idx="0">
+      <cs:styleClr val="auto"/>
+    </cs:lnRef>
+    <cs:fillRef idx="3"/>
+    <cs:effectRef idx="3"/>
+    <cs:fontRef idx="minor">
+      <a:schemeClr val="tx1"/>
+    </cs:fontRef>
+    <cs:spPr>
+      <a:ln w="34925" cap="rnd">
+        <a:solidFill>
+          <a:schemeClr val="phClr"/>
+        </a:solidFill>
+        <a:round/>
+      </a:ln>
+    </cs:spPr>
+  </cs:dataPointLine>
+  <cs:dataPointMarker>
+    <cs:lnRef idx="0">
+      <cs:styleClr val="auto"/>
+    </cs:lnRef>
+    <cs:fillRef idx="3">
+      <cs:styleClr val="auto"/>
+    </cs:fillRef>
+    <cs:effectRef idx="3"/>
+    <cs:fontRef idx="minor">
+      <a:schemeClr val="tx1"/>
+    </cs:fontRef>
+    <cs:spPr>
+      <a:ln w="9525">
+        <a:solidFill>
+          <a:schemeClr val="phClr"/>
+        </a:solidFill>
+        <a:round/>
+      </a:ln>
+    </cs:spPr>
+  </cs:dataPointMarker>
+  <cs:dataPointMarkerLayout symbol="circle" size="6"/>
+  <cs:dataPointWireframe>
+    <cs:lnRef idx="0">
+      <cs:styleClr val="auto"/>
+    </cs:lnRef>
+    <cs:fillRef idx="3"/>
+    <cs:effectRef idx="3"/>
+    <cs:fontRef idx="minor">
+      <a:schemeClr val="tx1"/>
+    </cs:fontRef>
+    <cs:spPr>
+      <a:ln w="9525" cap="rnd">
+        <a:solidFill>
+          <a:schemeClr val="phClr"/>
+        </a:solidFill>
+        <a:round/>
+      </a:ln>
+    </cs:spPr>
+  </cs:dataPointWireframe>
+  <cs:dataTable>
+    <cs:lnRef idx="0"/>
+    <cs:fillRef idx="0"/>
+    <cs:effectRef idx="0"/>
+    <cs:fontRef idx="minor">
+      <a:schemeClr val="tx1">
+        <a:lumMod val="65000"/>
+        <a:lumOff val="35000"/>
+      </a:schemeClr>
+    </cs:fontRef>
+    <cs:spPr>
+      <a:noFill/>
+      <a:ln w="9525" cap="flat" cmpd="sng" algn="ctr">
+        <a:solidFill>
+          <a:schemeClr val="tx1">
+            <a:lumMod val="15000"/>
+            <a:lumOff val="85000"/>
+          </a:schemeClr>
+        </a:solidFill>
+        <a:round/>
+      </a:ln>
+    </cs:spPr>
+    <cs:defRPr sz="1197" kern="1200"/>
+  </cs:dataTable>
+  <cs:downBar>
+    <cs:lnRef idx="0"/>
+    <cs:fillRef idx="0"/>
+    <cs:effectRef idx="0"/>
+    <cs:fontRef idx="minor">
+      <a:schemeClr val="dk1"/>
+    </cs:fontRef>
+    <cs:spPr>
+      <a:solidFill>
+        <a:schemeClr val="dk1">
+          <a:lumMod val="65000"/>
+          <a:lumOff val="35000"/>
+        </a:schemeClr>
+      </a:solidFill>
+      <a:ln w="9525">
+        <a:solidFill>
+          <a:schemeClr val="tx1">
+            <a:lumMod val="65000"/>
+            <a:lumOff val="35000"/>
+          </a:schemeClr>
+        </a:solidFill>
+      </a:ln>
+    </cs:spPr>
+  </cs:downBar>
+  <cs:dropLine>
+    <cs:lnRef idx="0"/>
+    <cs:fillRef idx="0"/>
+    <cs:effectRef idx="0"/>
+    <cs:fontRef idx="minor">
+      <a:schemeClr val="tx1"/>
+    </cs:fontRef>
+    <cs:spPr>
+      <a:ln w="9525" cap="flat" cmpd="sng" algn="ctr">
+        <a:solidFill>
+          <a:schemeClr val="tx1">
+            <a:lumMod val="35000"/>
+            <a:lumOff val="65000"/>
+          </a:schemeClr>
+        </a:solidFill>
+        <a:round/>
+      </a:ln>
+    </cs:spPr>
+  </cs:dropLine>
+  <cs:errorBar>
+    <cs:lnRef idx="0"/>
+    <cs:fillRef idx="0"/>
+    <cs:effectRef idx="0"/>
+    <cs:fontRef idx="minor">
+      <a:schemeClr val="tx1"/>
+    </cs:fontRef>
+    <cs:spPr>
+      <a:ln w="9525" cap="flat" cmpd="sng" algn="ctr">
+        <a:solidFill>
+          <a:schemeClr val="tx1">
+            <a:lumMod val="65000"/>
+            <a:lumOff val="35000"/>
+          </a:schemeClr>
+        </a:solidFill>
+        <a:round/>
+      </a:ln>
+    </cs:spPr>
+  </cs:errorBar>
+  <cs:floor>
+    <cs:lnRef idx="0"/>
+    <cs:fillRef idx="0"/>
+    <cs:effectRef idx="0"/>
+    <cs:fontRef idx="minor">
+      <a:schemeClr val="lt1"/>
+    </cs:fontRef>
+  </cs:floor>
+  <cs:gridlineMajor>
+    <cs:lnRef idx="0"/>
+    <cs:fillRef idx="0"/>
+    <cs:effectRef idx="0"/>
+    <cs:fontRef idx="minor">
+      <a:schemeClr val="tx1"/>
+    </cs:fontRef>
+    <cs:spPr>
+      <a:ln w="9525" cap="flat" cmpd="sng" algn="ctr">
+        <a:solidFill>
+          <a:schemeClr val="tx1">
+            <a:lumMod val="15000"/>
+            <a:lumOff val="85000"/>
+          </a:schemeClr>
+        </a:solidFill>
+        <a:round/>
+      </a:ln>
+    </cs:spPr>
+  </cs:gridlineMajor>
+  <cs:gridlineMinor>
+    <cs:lnRef idx="0"/>
+    <cs:fillRef idx="0"/>
+    <cs:effectRef idx="0"/>
+    <cs:fontRef idx="minor">
+      <a:schemeClr val="tx1"/>
+    </cs:fontRef>
+    <cs:spPr>
+      <a:ln w="9525" cap="flat" cmpd="sng" algn="ctr">
+        <a:solidFill>
+          <a:schemeClr val="tx1">
+            <a:lumMod val="5000"/>
+            <a:lumOff val="95000"/>
+          </a:schemeClr>
+        </a:solidFill>
+        <a:round/>
+      </a:ln>
+    </cs:spPr>
+  </cs:gridlineMinor>
+  <cs:hiLoLine>
+    <cs:lnRef idx="0"/>
+    <cs:fillRef idx="0"/>
+    <cs:effectRef idx="0"/>
+    <cs:fontRef idx="minor">
+      <a:schemeClr val="tx1"/>
+    </cs:fontRef>
+    <cs:spPr>
+      <a:ln w="9525" cap="flat" cmpd="sng" algn="ctr">
+        <a:solidFill>
+          <a:schemeClr val="tx1">
+            <a:lumMod val="75000"/>
+            <a:lumOff val="25000"/>
+          </a:schemeClr>
+        </a:solidFill>
+        <a:round/>
+      </a:ln>
+    </cs:spPr>
+  </cs:hiLoLine>
+  <cs:leaderLine>
+    <cs:lnRef idx="0"/>
+    <cs:fillRef idx="0"/>
+    <cs:effectRef idx="0"/>
+    <cs:fontRef idx="minor">
+      <a:schemeClr val="tx1"/>
+    </cs:fontRef>
+    <cs:spPr>
+      <a:ln w="9525" cap="flat" cmpd="sng" algn="ctr">
+        <a:solidFill>
+          <a:schemeClr val="tx1">
+            <a:lumMod val="35000"/>
+            <a:lumOff val="65000"/>
+          </a:schemeClr>
+        </a:solidFill>
+        <a:round/>
+      </a:ln>
+    </cs:spPr>
+  </cs:leaderLine>
+  <cs:legend>
+    <cs:lnRef idx="0"/>
+    <cs:fillRef idx="0"/>
+    <cs:effectRef idx="0"/>
+    <cs:fontRef idx="minor">
+      <a:schemeClr val="tx1">
+        <a:lumMod val="65000"/>
+        <a:lumOff val="35000"/>
+      </a:schemeClr>
+    </cs:fontRef>
+    <cs:defRPr sz="1197" kern="1200"/>
+  </cs:legend>
+  <cs:plotArea>
+    <cs:lnRef idx="0"/>
+    <cs:fillRef idx="0"/>
+    <cs:effectRef idx="0"/>
+    <cs:fontRef idx="minor">
+      <a:schemeClr val="lt1"/>
+    </cs:fontRef>
+  </cs:plotArea>
+  <cs:plotArea3D>
+    <cs:lnRef idx="0"/>
+    <cs:fillRef idx="0"/>
+    <cs:effectRef idx="0"/>
+    <cs:fontRef idx="minor">
+      <a:schemeClr val="lt1"/>
+    </cs:fontRef>
+  </cs:plotArea3D>
+  <cs:seriesAxis>
+    <cs:lnRef idx="0"/>
+    <cs:fillRef idx="0"/>
+    <cs:effectRef idx="0"/>
+    <cs:fontRef idx="minor">
+      <a:schemeClr val="tx1">
+        <a:lumMod val="65000"/>
+        <a:lumOff val="35000"/>
+      </a:schemeClr>
+    </cs:fontRef>
+    <cs:spPr>
+      <a:ln w="12700" cap="flat" cmpd="sng" algn="ctr">
+        <a:solidFill>
+          <a:schemeClr val="tx1">
+            <a:lumMod val="15000"/>
+            <a:lumOff val="85000"/>
+          </a:schemeClr>
+        </a:solidFill>
+        <a:round/>
+      </a:ln>
+    </cs:spPr>
+    <cs:defRPr sz="1197" kern="1200"/>
+  </cs:seriesAxis>
+  <cs:seriesLine>
+    <cs:lnRef idx="0"/>
+    <cs:fillRef idx="0"/>
+    <cs:effectRef idx="0"/>
+    <cs:fontRef idx="minor">
+      <a:schemeClr val="tx1"/>
+    </cs:fontRef>
+    <cs:spPr>
+      <a:ln w="9525" cap="flat" cmpd="sng" algn="ctr">
+        <a:solidFill>
+          <a:schemeClr val="tx1">
+            <a:lumMod val="35000"/>
+            <a:lumOff val="65000"/>
+          </a:schemeClr>
+        </a:solidFill>
+        <a:round/>
+      </a:ln>
+    </cs:spPr>
+  </cs:seriesLine>
+  <cs:title>
+    <cs:lnRef idx="0"/>
+    <cs:fillRef idx="0"/>
+    <cs:effectRef idx="0"/>
+    <cs:fontRef idx="minor">
+      <a:schemeClr val="tx1">
+        <a:lumMod val="65000"/>
+        <a:lumOff val="35000"/>
+      </a:schemeClr>
+    </cs:fontRef>
+    <cs:defRPr sz="2128" b="1" kern="1200" baseline="0"/>
+  </cs:title>
+  <cs:trendline>
+    <cs:lnRef idx="0">
+      <cs:styleClr val="auto"/>
+    </cs:lnRef>
+    <cs:fillRef idx="0"/>
+    <cs:effectRef idx="0"/>
+    <cs:fontRef idx="minor">
+      <a:schemeClr val="lt1"/>
+    </cs:fontRef>
+    <cs:spPr>
+      <a:ln w="19050" cap="rnd">
+        <a:solidFill>
+          <a:schemeClr val="phClr"/>
+        </a:solidFill>
+      </a:ln>
+    </cs:spPr>
+  </cs:trendline>
+  <cs:trendlineLabel>
+    <cs:lnRef idx="0"/>
+    <cs:fillRef idx="0"/>
+    <cs:effectRef idx="0"/>
+    <cs:fontRef idx="minor">
+      <a:schemeClr val="tx1">
+        <a:lumMod val="65000"/>
+        <a:lumOff val="35000"/>
+      </a:schemeClr>
+    </cs:fontRef>
+    <cs:defRPr sz="1197" kern="1200"/>
+  </cs:trendlineLabel>
+  <cs:upBar>
+    <cs:lnRef idx="0"/>
+    <cs:fillRef idx="0"/>
+    <cs:effectRef idx="0"/>
+    <cs:fontRef idx="minor">
+      <a:schemeClr val="dk1"/>
+    </cs:fontRef>
+    <cs:spPr>
+      <a:solidFill>
+        <a:schemeClr val="lt1"/>
+      </a:solidFill>
+      <a:ln w="9525">
+        <a:solidFill>
+          <a:schemeClr val="tx1">
+            <a:lumMod val="15000"/>
+            <a:lumOff val="85000"/>
+          </a:schemeClr>
+        </a:solidFill>
+      </a:ln>
+    </cs:spPr>
+  </cs:upBar>
+  <cs:valueAxis>
+    <cs:lnRef idx="0"/>
+    <cs:fillRef idx="0"/>
+    <cs:effectRef idx="0"/>
+    <cs:fontRef idx="minor">
+      <a:schemeClr val="tx1">
+        <a:lumMod val="65000"/>
+        <a:lumOff val="35000"/>
+      </a:schemeClr>
+    </cs:fontRef>
+    <cs:defRPr sz="1197" kern="1200"/>
+  </cs:valueAxis>
+  <cs:wall>
+    <cs:lnRef idx="0"/>
+    <cs:fillRef idx="0"/>
+    <cs:effectRef idx="0"/>
+    <cs:fontRef idx="minor">
+      <a:schemeClr val="lt1"/>
+    </cs:fontRef>
+  </cs:wall>
+</cs:chartStyle>
+</file>
+
+<file path=ppt/charts/style3.xml><?xml version="1.0" encoding="utf-8"?>
+<cs:chartStyle xmlns:cs="http://schemas.microsoft.com/office/drawing/2012/chartStyle" xmlns:a="http://schemas.openxmlformats.org/drawingml/2006/main" id="342">
+  <cs:axisTitle>
+    <cs:lnRef idx="0"/>
+    <cs:fillRef idx="0"/>
+    <cs:effectRef idx="0"/>
+    <cs:fontRef idx="minor">
+      <a:schemeClr val="tx1">
+        <a:lumMod val="65000"/>
+        <a:lumOff val="35000"/>
+      </a:schemeClr>
+    </cs:fontRef>
+    <cs:defRPr sz="1197" kern="1200"/>
+  </cs:axisTitle>
+  <cs:categoryAxis>
+    <cs:lnRef idx="0"/>
+    <cs:fillRef idx="0"/>
+    <cs:effectRef idx="0"/>
+    <cs:fontRef idx="minor">
+      <a:schemeClr val="tx1">
+        <a:lumMod val="65000"/>
+        <a:lumOff val="35000"/>
+      </a:schemeClr>
+    </cs:fontRef>
+    <cs:spPr>
+      <a:ln w="12700" cap="flat" cmpd="sng" algn="ctr">
+        <a:solidFill>
+          <a:schemeClr val="tx1">
+            <a:lumMod val="15000"/>
+            <a:lumOff val="85000"/>
+          </a:schemeClr>
+        </a:solidFill>
+        <a:round/>
+      </a:ln>
+    </cs:spPr>
+    <cs:defRPr sz="1197" kern="1200"/>
+  </cs:categoryAxis>
+  <cs:chartArea mods="allowNoFillOverride allowNoLineOverride">
+    <cs:lnRef idx="0"/>
+    <cs:fillRef idx="0"/>
+    <cs:effectRef idx="0"/>
+    <cs:fontRef idx="minor">
+      <a:schemeClr val="tx2"/>
+    </cs:fontRef>
+    <cs:spPr>
+      <a:solidFill>
+        <a:schemeClr val="bg1"/>
+      </a:solidFill>
+      <a:ln w="9525" cap="flat" cmpd="sng" algn="ctr">
+        <a:solidFill>
+          <a:schemeClr val="tx1">
+            <a:lumMod val="15000"/>
+            <a:lumOff val="85000"/>
+          </a:schemeClr>
+        </a:solidFill>
+        <a:round/>
+      </a:ln>
+    </cs:spPr>
+    <cs:defRPr sz="1197" kern="1200"/>
+  </cs:chartArea>
+  <cs:dataLabel>
+    <cs:lnRef idx="0"/>
+    <cs:fillRef idx="0"/>
+    <cs:effectRef idx="0"/>
+    <cs:fontRef idx="minor">
+      <a:schemeClr val="tx1">
+        <a:lumMod val="75000"/>
+        <a:lumOff val="25000"/>
+      </a:schemeClr>
+    </cs:fontRef>
+    <cs:defRPr sz="1197" kern="1200"/>
+  </cs:dataLabel>
+  <cs:dataLabelCallout>
+    <cs:lnRef idx="0"/>
+    <cs:fillRef idx="0"/>
+    <cs:effectRef idx="0"/>
+    <cs:fontRef idx="minor">
+      <a:schemeClr val="dk1">
+        <a:lumMod val="65000"/>
+        <a:lumOff val="35000"/>
+      </a:schemeClr>
+    </cs:fontRef>
+    <cs:spPr>
+      <a:solidFill>
+        <a:schemeClr val="lt1"/>
+      </a:solidFill>
+      <a:ln>
+        <a:solidFill>
+          <a:schemeClr val="dk1">
+            <a:lumMod val="25000"/>
+            <a:lumOff val="75000"/>
+          </a:schemeClr>
+        </a:solidFill>
+      </a:ln>
+    </cs:spPr>
+    <cs:defRPr sz="1197" kern="1200"/>
+    <cs:bodyPr rot="0" spcFirstLastPara="1" vertOverflow="clip" horzOverflow="clip" vert="horz" wrap="square" lIns="36576" tIns="18288" rIns="36576" bIns="18288" anchor="ctr" anchorCtr="1">
+      <a:spAutoFit/>
+    </cs:bodyPr>
+  </cs:dataLabelCallout>
+  <cs:dataPoint>
+    <cs:lnRef idx="0"/>
+    <cs:fillRef idx="3">
+      <cs:styleClr val="auto"/>
+    </cs:fillRef>
+    <cs:effectRef idx="3"/>
+    <cs:fontRef idx="minor">
+      <a:schemeClr val="tx1"/>
+    </cs:fontRef>
+  </cs:dataPoint>
+  <cs:dataPoint3D>
+    <cs:lnRef idx="0"/>
+    <cs:fillRef idx="3">
+      <cs:styleClr val="auto"/>
+    </cs:fillRef>
+    <cs:effectRef idx="3"/>
+    <cs:fontRef idx="minor">
+      <a:schemeClr val="tx1"/>
+    </cs:fontRef>
+  </cs:dataPoint3D>
+  <cs:dataPointLine>
+    <cs:lnRef idx="0">
+      <cs:styleClr val="auto"/>
+    </cs:lnRef>
+    <cs:fillRef idx="3"/>
+    <cs:effectRef idx="3"/>
+    <cs:fontRef idx="minor">
+      <a:schemeClr val="tx1"/>
+    </cs:fontRef>
+    <cs:spPr>
+      <a:ln w="34925" cap="rnd">
+        <a:solidFill>
+          <a:schemeClr val="phClr"/>
+        </a:solidFill>
+        <a:round/>
+      </a:ln>
+    </cs:spPr>
+  </cs:dataPointLine>
+  <cs:dataPointMarker>
+    <cs:lnRef idx="0">
+      <cs:styleClr val="auto"/>
+    </cs:lnRef>
+    <cs:fillRef idx="3">
+      <cs:styleClr val="auto"/>
+    </cs:fillRef>
+    <cs:effectRef idx="3"/>
+    <cs:fontRef idx="minor">
+      <a:schemeClr val="tx1"/>
+    </cs:fontRef>
+    <cs:spPr>
+      <a:ln w="9525">
+        <a:solidFill>
+          <a:schemeClr val="phClr"/>
+        </a:solidFill>
+        <a:round/>
+      </a:ln>
+    </cs:spPr>
+  </cs:dataPointMarker>
+  <cs:dataPointMarkerLayout symbol="circle" size="6"/>
+  <cs:dataPointWireframe>
+    <cs:lnRef idx="0">
+      <cs:styleClr val="auto"/>
+    </cs:lnRef>
+    <cs:fillRef idx="3"/>
+    <cs:effectRef idx="3"/>
+    <cs:fontRef idx="minor">
+      <a:schemeClr val="tx1"/>
+    </cs:fontRef>
+    <cs:spPr>
+      <a:ln w="9525" cap="rnd">
+        <a:solidFill>
+          <a:schemeClr val="phClr"/>
+        </a:solidFill>
+        <a:round/>
+      </a:ln>
+    </cs:spPr>
+  </cs:dataPointWireframe>
+  <cs:dataTable>
+    <cs:lnRef idx="0"/>
+    <cs:fillRef idx="0"/>
+    <cs:effectRef idx="0"/>
+    <cs:fontRef idx="minor">
+      <a:schemeClr val="tx1">
+        <a:lumMod val="65000"/>
+        <a:lumOff val="35000"/>
+      </a:schemeClr>
+    </cs:fontRef>
+    <cs:spPr>
+      <a:noFill/>
+      <a:ln w="9525" cap="flat" cmpd="sng" algn="ctr">
+        <a:solidFill>
+          <a:schemeClr val="tx1">
+            <a:lumMod val="15000"/>
+            <a:lumOff val="85000"/>
+          </a:schemeClr>
+        </a:solidFill>
+        <a:round/>
+      </a:ln>
+    </cs:spPr>
+    <cs:defRPr sz="1197" kern="1200"/>
+  </cs:dataTable>
+  <cs:downBar>
+    <cs:lnRef idx="0"/>
+    <cs:fillRef idx="0"/>
+    <cs:effectRef idx="0"/>
+    <cs:fontRef idx="minor">
+      <a:schemeClr val="dk1"/>
+    </cs:fontRef>
+    <cs:spPr>
+      <a:solidFill>
+        <a:schemeClr val="dk1">
+          <a:lumMod val="65000"/>
+          <a:lumOff val="35000"/>
+        </a:schemeClr>
+      </a:solidFill>
+      <a:ln w="9525">
+        <a:solidFill>
+          <a:schemeClr val="tx1">
+            <a:lumMod val="65000"/>
+            <a:lumOff val="35000"/>
+          </a:schemeClr>
+        </a:solidFill>
+      </a:ln>
+    </cs:spPr>
+  </cs:downBar>
+  <cs:dropLine>
+    <cs:lnRef idx="0"/>
+    <cs:fillRef idx="0"/>
+    <cs:effectRef idx="0"/>
+    <cs:fontRef idx="minor">
+      <a:schemeClr val="tx1"/>
+    </cs:fontRef>
+    <cs:spPr>
+      <a:ln w="9525" cap="flat" cmpd="sng" algn="ctr">
+        <a:solidFill>
+          <a:schemeClr val="tx1">
+            <a:lumMod val="35000"/>
+            <a:lumOff val="65000"/>
+          </a:schemeClr>
+        </a:solidFill>
+        <a:round/>
+      </a:ln>
+    </cs:spPr>
+  </cs:dropLine>
+  <cs:errorBar>
+    <cs:lnRef idx="0"/>
+    <cs:fillRef idx="0"/>
+    <cs:effectRef idx="0"/>
+    <cs:fontRef idx="minor">
+      <a:schemeClr val="tx1"/>
+    </cs:fontRef>
+    <cs:spPr>
+      <a:ln w="9525" cap="flat" cmpd="sng" algn="ctr">
+        <a:solidFill>
+          <a:schemeClr val="tx1">
+            <a:lumMod val="65000"/>
+            <a:lumOff val="35000"/>
+          </a:schemeClr>
+        </a:solidFill>
+        <a:round/>
+      </a:ln>
+    </cs:spPr>
+  </cs:errorBar>
+  <cs:floor>
+    <cs:lnRef idx="0"/>
+    <cs:fillRef idx="0"/>
+    <cs:effectRef idx="0"/>
+    <cs:fontRef idx="minor">
+      <a:schemeClr val="lt1"/>
+    </cs:fontRef>
+  </cs:floor>
+  <cs:gridlineMajor>
+    <cs:lnRef idx="0"/>
+    <cs:fillRef idx="0"/>
+    <cs:effectRef idx="0"/>
+    <cs:fontRef idx="minor">
+      <a:schemeClr val="tx1"/>
+    </cs:fontRef>
+    <cs:spPr>
+      <a:ln w="9525" cap="flat" cmpd="sng" algn="ctr">
+        <a:solidFill>
+          <a:schemeClr val="tx1">
+            <a:lumMod val="15000"/>
+            <a:lumOff val="85000"/>
+          </a:schemeClr>
+        </a:solidFill>
+        <a:round/>
+      </a:ln>
+    </cs:spPr>
+  </cs:gridlineMajor>
+  <cs:gridlineMinor>
+    <cs:lnRef idx="0"/>
+    <cs:fillRef idx="0"/>
+    <cs:effectRef idx="0"/>
+    <cs:fontRef idx="minor">
+      <a:schemeClr val="tx1"/>
+    </cs:fontRef>
+    <cs:spPr>
+      <a:ln w="9525" cap="flat" cmpd="sng" algn="ctr">
+        <a:solidFill>
+          <a:schemeClr val="tx1">
+            <a:lumMod val="5000"/>
+            <a:lumOff val="95000"/>
+          </a:schemeClr>
+        </a:solidFill>
+        <a:round/>
+      </a:ln>
+    </cs:spPr>
+  </cs:gridlineMinor>
+  <cs:hiLoLine>
+    <cs:lnRef idx="0"/>
+    <cs:fillRef idx="0"/>
+    <cs:effectRef idx="0"/>
+    <cs:fontRef idx="minor">
+      <a:schemeClr val="tx1"/>
+    </cs:fontRef>
+    <cs:spPr>
+      <a:ln w="9525" cap="flat" cmpd="sng" algn="ctr">
+        <a:solidFill>
+          <a:schemeClr val="tx1">
+            <a:lumMod val="75000"/>
+            <a:lumOff val="25000"/>
+          </a:schemeClr>
+        </a:solidFill>
+        <a:round/>
+      </a:ln>
+    </cs:spPr>
+  </cs:hiLoLine>
+  <cs:leaderLine>
+    <cs:lnRef idx="0"/>
+    <cs:fillRef idx="0"/>
+    <cs:effectRef idx="0"/>
+    <cs:fontRef idx="minor">
+      <a:schemeClr val="tx1"/>
+    </cs:fontRef>
+    <cs:spPr>
+      <a:ln w="9525" cap="flat" cmpd="sng" algn="ctr">
+        <a:solidFill>
+          <a:schemeClr val="tx1">
+            <a:lumMod val="35000"/>
+            <a:lumOff val="65000"/>
+          </a:schemeClr>
+        </a:solidFill>
+        <a:round/>
+      </a:ln>
+    </cs:spPr>
+  </cs:leaderLine>
+  <cs:legend>
+    <cs:lnRef idx="0"/>
+    <cs:fillRef idx="0"/>
+    <cs:effectRef idx="0"/>
+    <cs:fontRef idx="minor">
+      <a:schemeClr val="tx1">
+        <a:lumMod val="65000"/>
+        <a:lumOff val="35000"/>
+      </a:schemeClr>
+    </cs:fontRef>
+    <cs:defRPr sz="1197" kern="1200"/>
+  </cs:legend>
+  <cs:plotArea>
+    <cs:lnRef idx="0"/>
+    <cs:fillRef idx="0"/>
+    <cs:effectRef idx="0"/>
+    <cs:fontRef idx="minor">
+      <a:schemeClr val="lt1"/>
+    </cs:fontRef>
+  </cs:plotArea>
+  <cs:plotArea3D>
+    <cs:lnRef idx="0"/>
+    <cs:fillRef idx="0"/>
+    <cs:effectRef idx="0"/>
+    <cs:fontRef idx="minor">
+      <a:schemeClr val="lt1"/>
+    </cs:fontRef>
+  </cs:plotArea3D>
+  <cs:seriesAxis>
+    <cs:lnRef idx="0"/>
+    <cs:fillRef idx="0"/>
+    <cs:effectRef idx="0"/>
+    <cs:fontRef idx="minor">
+      <a:schemeClr val="tx1">
+        <a:lumMod val="65000"/>
+        <a:lumOff val="35000"/>
+      </a:schemeClr>
+    </cs:fontRef>
+    <cs:spPr>
+      <a:ln w="12700" cap="flat" cmpd="sng" algn="ctr">
+        <a:solidFill>
+          <a:schemeClr val="tx1">
+            <a:lumMod val="15000"/>
+            <a:lumOff val="85000"/>
+          </a:schemeClr>
+        </a:solidFill>
+        <a:round/>
+      </a:ln>
+    </cs:spPr>
+    <cs:defRPr sz="1197" kern="1200"/>
+  </cs:seriesAxis>
+  <cs:seriesLine>
+    <cs:lnRef idx="0"/>
+    <cs:fillRef idx="0"/>
+    <cs:effectRef idx="0"/>
+    <cs:fontRef idx="minor">
+      <a:schemeClr val="tx1"/>
+    </cs:fontRef>
+    <cs:spPr>
+      <a:ln w="9525" cap="flat" cmpd="sng" algn="ctr">
+        <a:solidFill>
+          <a:schemeClr val="tx1">
+            <a:lumMod val="35000"/>
+            <a:lumOff val="65000"/>
+          </a:schemeClr>
+        </a:solidFill>
+        <a:round/>
+      </a:ln>
+    </cs:spPr>
+  </cs:seriesLine>
+  <cs:title>
+    <cs:lnRef idx="0"/>
+    <cs:fillRef idx="0"/>
+    <cs:effectRef idx="0"/>
+    <cs:fontRef idx="minor">
+      <a:schemeClr val="tx1">
+        <a:lumMod val="65000"/>
+        <a:lumOff val="35000"/>
+      </a:schemeClr>
+    </cs:fontRef>
+    <cs:defRPr sz="2128" b="1" kern="1200" baseline="0"/>
+  </cs:title>
+  <cs:trendline>
+    <cs:lnRef idx="0">
+      <cs:styleClr val="auto"/>
+    </cs:lnRef>
+    <cs:fillRef idx="0"/>
+    <cs:effectRef idx="0"/>
+    <cs:fontRef idx="minor">
+      <a:schemeClr val="lt1"/>
+    </cs:fontRef>
+    <cs:spPr>
+      <a:ln w="19050" cap="rnd">
+        <a:solidFill>
+          <a:schemeClr val="phClr"/>
+        </a:solidFill>
+      </a:ln>
+    </cs:spPr>
+  </cs:trendline>
+  <cs:trendlineLabel>
+    <cs:lnRef idx="0"/>
+    <cs:fillRef idx="0"/>
+    <cs:effectRef idx="0"/>
+    <cs:fontRef idx="minor">
+      <a:schemeClr val="tx1">
+        <a:lumMod val="65000"/>
+        <a:lumOff val="35000"/>
+      </a:schemeClr>
+    </cs:fontRef>
+    <cs:defRPr sz="1197" kern="1200"/>
+  </cs:trendlineLabel>
+  <cs:upBar>
+    <cs:lnRef idx="0"/>
+    <cs:fillRef idx="0"/>
+    <cs:effectRef idx="0"/>
+    <cs:fontRef idx="minor">
+      <a:schemeClr val="dk1"/>
+    </cs:fontRef>
+    <cs:spPr>
+      <a:solidFill>
+        <a:schemeClr val="lt1"/>
+      </a:solidFill>
+      <a:ln w="9525">
+        <a:solidFill>
+          <a:schemeClr val="tx1">
+            <a:lumMod val="15000"/>
+            <a:lumOff val="85000"/>
+          </a:schemeClr>
+        </a:solidFill>
+      </a:ln>
+    </cs:spPr>
+  </cs:upBar>
+  <cs:valueAxis>
+    <cs:lnRef idx="0"/>
+    <cs:fillRef idx="0"/>
+    <cs:effectRef idx="0"/>
+    <cs:fontRef idx="minor">
+      <a:schemeClr val="tx1">
+        <a:lumMod val="65000"/>
+        <a:lumOff val="35000"/>
+      </a:schemeClr>
+    </cs:fontRef>
+    <cs:defRPr sz="1197" kern="1200"/>
+  </cs:valueAxis>
+  <cs:wall>
+    <cs:lnRef idx="0"/>
+    <cs:fillRef idx="0"/>
+    <cs:effectRef idx="0"/>
+    <cs:fontRef idx="minor">
+      <a:schemeClr val="lt1"/>
+    </cs:fontRef>
+  </cs:wall>
+</cs:chartStyle>
+</file>
+
 <file path=ppt/slideLayouts/slideLayout1.xml><?xml version="1.0" encoding="utf-8"?>
 <p:sldLayout xmlns:a="http://schemas.openxmlformats.org/drawingml/2006/main" xmlns:r="http://schemas.openxmlformats.org/officeDocument/2006/relationships" xmlns:p="http://schemas.openxmlformats.org/presentationml/2006/main" type="title" preserve="1">
   <p:cSld name="Title Slide">
@@ -6293,7 +8195,23 @@
                 <a:ea typeface="Open Sans" panose="020B0606030504020204" pitchFamily="34" charset="0"/>
                 <a:cs typeface="Open Sans" panose="020B0606030504020204" pitchFamily="34" charset="0"/>
               </a:rPr>
-              <a:t>Iteriranjem kroz epohe treniranja dolazimo do sve boljih rezultata koje možemo videti kroz LOSS vrednosti GAN mreže. Jednostavnim testiranjem došli smo do zaključka da je optimalan broj epoha pomoću kojih se dobija zadovoljavajuće rešenje oko 19000. Na toj vrednosti počinje da pada odnos boljih vrednosti u odnosu na trenutnu epohu.</a:t>
+              <a:t>Iteriranjem kroz epohe treniranja</a:t>
+            </a:r>
+            <a:r>
+              <a:rPr lang="en-US" sz="3200">
+                <a:latin typeface="Titillium Web" panose="00000500000000000000" pitchFamily="2" charset="0"/>
+                <a:ea typeface="Open Sans" panose="020B0606030504020204" pitchFamily="34" charset="0"/>
+                <a:cs typeface="Open Sans" panose="020B0606030504020204" pitchFamily="34" charset="0"/>
+              </a:rPr>
+              <a:t> GAN mre</a:t>
+            </a:r>
+            <a:r>
+              <a:rPr lang="sr-Latn-RS" sz="3200">
+                <a:latin typeface="Titillium Web" panose="00000500000000000000" pitchFamily="2" charset="0"/>
+                <a:ea typeface="Open Sans" panose="020B0606030504020204" pitchFamily="34" charset="0"/>
+                <a:cs typeface="Open Sans" panose="020B0606030504020204" pitchFamily="34" charset="0"/>
+              </a:rPr>
+              <a:t>že dolazimo do sve boljih rezultata koje možemo videti kroz LOSS vrednosti. Jednostavnim testiranjem došli smo do zaključka da je optimalan broj epoha pomoću kojih se dobija zadovoljavajuće rešenje oko 19000. Na toj vrednosti počinje da pada odnos boljih vrednosti u odnosu na trenutnu epohu.</a:t>
             </a:r>
             <a:endParaRPr lang="en-US" sz="3200">
               <a:latin typeface="Titillium Web" panose="00000500000000000000" pitchFamily="2" charset="0"/>
@@ -7667,7 +9585,7 @@
         </p:nvSpPr>
         <p:spPr bwMode="auto">
           <a:xfrm>
-            <a:off x="33101279" y="14573580"/>
+            <a:off x="33101276" y="20802927"/>
             <a:ext cx="10058400" cy="784225"/>
           </a:xfrm>
           <a:prstGeom prst="rect">
@@ -7724,7 +9642,7 @@
         </p:nvSpPr>
         <p:spPr bwMode="auto">
           <a:xfrm>
-            <a:off x="33101279" y="15448560"/>
+            <a:off x="33101276" y="21677907"/>
             <a:ext cx="10058400" cy="2600712"/>
           </a:xfrm>
           <a:prstGeom prst="rect">
@@ -7977,7 +9895,7 @@
         </p:nvSpPr>
         <p:spPr bwMode="auto">
           <a:xfrm>
-            <a:off x="33101279" y="7125251"/>
+            <a:off x="33101276" y="13354598"/>
             <a:ext cx="10058400" cy="784225"/>
           </a:xfrm>
           <a:prstGeom prst="rect">
@@ -8034,7 +9952,7 @@
         </p:nvSpPr>
         <p:spPr bwMode="auto">
           <a:xfrm>
-            <a:off x="33101279" y="7980212"/>
+            <a:off x="33101276" y="14209559"/>
             <a:ext cx="10058400" cy="6047809"/>
           </a:xfrm>
           <a:prstGeom prst="rect">
@@ -8245,6 +10163,251 @@
           </a:p>
         </p:txBody>
       </p:sp>
+      <p:sp>
+        <p:nvSpPr>
+          <p:cNvPr id="34" name="Text Box 6">
+            <a:extLst>
+              <a:ext uri="{FF2B5EF4-FFF2-40B4-BE49-F238E27FC236}">
+                <a16:creationId xmlns:a16="http://schemas.microsoft.com/office/drawing/2014/main" id="{172EC3DF-7A0E-469D-A702-A86B5E47CA22}"/>
+              </a:ext>
+            </a:extLst>
+          </p:cNvPr>
+          <p:cNvSpPr txBox="1">
+            <a:spLocks noChangeArrowheads="1"/>
+          </p:cNvSpPr>
+          <p:nvPr/>
+        </p:nvSpPr>
+        <p:spPr bwMode="auto">
+          <a:xfrm>
+            <a:off x="22311358" y="21552307"/>
+            <a:ext cx="10058400" cy="2108269"/>
+          </a:xfrm>
+          <a:prstGeom prst="rect">
+            <a:avLst/>
+          </a:prstGeom>
+          <a:noFill/>
+          <a:ln>
+            <a:noFill/>
+          </a:ln>
+          <a:extLst>
+            <a:ext uri="{909E8E84-426E-40DD-AFC4-6F175D3DCCD1}">
+              <a14:hiddenFill xmlns:a14="http://schemas.microsoft.com/office/drawing/2010/main">
+                <a:solidFill>
+                  <a:schemeClr val="accent1"/>
+                </a:solidFill>
+              </a14:hiddenFill>
+            </a:ext>
+            <a:ext uri="{91240B29-F687-4F45-9708-019B960494DF}">
+              <a14:hiddenLine xmlns:a14="http://schemas.microsoft.com/office/drawing/2010/main" w="9525">
+                <a:solidFill>
+                  <a:schemeClr val="tx1"/>
+                </a:solidFill>
+                <a:miter lim="800000"/>
+                <a:headEnd/>
+                <a:tailEnd/>
+              </a14:hiddenLine>
+            </a:ext>
+            <a:ext uri="{AF507438-7753-43E0-B8FC-AC1667EBCBE1}">
+              <a14:hiddenEffects xmlns:a14="http://schemas.microsoft.com/office/drawing/2010/main">
+                <a:effectLst>
+                  <a:outerShdw dist="35921" dir="2700000" algn="ctr" rotWithShape="0">
+                    <a:schemeClr val="bg2"/>
+                  </a:outerShdw>
+                </a:effectLst>
+              </a14:hiddenEffects>
+            </a:ext>
+          </a:extLst>
+        </p:spPr>
+        <p:txBody>
+          <a:bodyPr lIns="137160" tIns="68580" rIns="137160" bIns="68580">
+            <a:spAutoFit/>
+          </a:bodyPr>
+          <a:lstStyle>
+            <a:defPPr>
+              <a:defRPr kern="1200" smtId="4294967295"/>
+            </a:defPPr>
+            <a:lvl1pPr defTabSz="4703763" eaLnBrk="0" hangingPunct="0">
+              <a:defRPr sz="9300">
+                <a:solidFill>
+                  <a:schemeClr val="tx1"/>
+                </a:solidFill>
+                <a:latin typeface="Arial"/>
+              </a:defRPr>
+            </a:lvl1pPr>
+            <a:lvl2pPr marL="742950" indent="-285750" defTabSz="4703763" eaLnBrk="0" hangingPunct="0">
+              <a:defRPr sz="9300">
+                <a:solidFill>
+                  <a:schemeClr val="tx1"/>
+                </a:solidFill>
+                <a:latin typeface="Arial"/>
+              </a:defRPr>
+            </a:lvl2pPr>
+            <a:lvl3pPr marL="1143000" indent="-228600" defTabSz="4703763" eaLnBrk="0" hangingPunct="0">
+              <a:defRPr sz="9300">
+                <a:solidFill>
+                  <a:schemeClr val="tx1"/>
+                </a:solidFill>
+                <a:latin typeface="Arial"/>
+              </a:defRPr>
+            </a:lvl3pPr>
+            <a:lvl4pPr marL="1600200" indent="-228600" defTabSz="4703763" eaLnBrk="0" hangingPunct="0">
+              <a:defRPr sz="9300">
+                <a:solidFill>
+                  <a:schemeClr val="tx1"/>
+                </a:solidFill>
+                <a:latin typeface="Arial"/>
+              </a:defRPr>
+            </a:lvl4pPr>
+            <a:lvl5pPr marL="2057400" indent="-228600" defTabSz="4703763" eaLnBrk="0" hangingPunct="0">
+              <a:defRPr sz="9300">
+                <a:solidFill>
+                  <a:schemeClr val="tx1"/>
+                </a:solidFill>
+                <a:latin typeface="Arial"/>
+              </a:defRPr>
+            </a:lvl5pPr>
+            <a:lvl6pPr marL="2514600" indent="-228600" defTabSz="4703763" eaLnBrk="0" fontAlgn="base" hangingPunct="0">
+              <a:spcBef>
+                <a:spcPct val="0"/>
+              </a:spcBef>
+              <a:spcAft>
+                <a:spcPct val="0"/>
+              </a:spcAft>
+              <a:defRPr sz="9300">
+                <a:solidFill>
+                  <a:schemeClr val="tx1"/>
+                </a:solidFill>
+                <a:latin typeface="Arial"/>
+              </a:defRPr>
+            </a:lvl6pPr>
+            <a:lvl7pPr marL="2971800" indent="-228600" defTabSz="4703763" eaLnBrk="0" fontAlgn="base" hangingPunct="0">
+              <a:spcBef>
+                <a:spcPct val="0"/>
+              </a:spcBef>
+              <a:spcAft>
+                <a:spcPct val="0"/>
+              </a:spcAft>
+              <a:defRPr sz="9300">
+                <a:solidFill>
+                  <a:schemeClr val="tx1"/>
+                </a:solidFill>
+                <a:latin typeface="Arial"/>
+              </a:defRPr>
+            </a:lvl7pPr>
+            <a:lvl8pPr marL="3429000" indent="-228600" defTabSz="4703763" eaLnBrk="0" fontAlgn="base" hangingPunct="0">
+              <a:spcBef>
+                <a:spcPct val="0"/>
+              </a:spcBef>
+              <a:spcAft>
+                <a:spcPct val="0"/>
+              </a:spcAft>
+              <a:defRPr sz="9300">
+                <a:solidFill>
+                  <a:schemeClr val="tx1"/>
+                </a:solidFill>
+                <a:latin typeface="Arial"/>
+              </a:defRPr>
+            </a:lvl8pPr>
+            <a:lvl9pPr marL="3886200" indent="-228600" defTabSz="4703763" eaLnBrk="0" fontAlgn="base" hangingPunct="0">
+              <a:spcBef>
+                <a:spcPct val="0"/>
+              </a:spcBef>
+              <a:spcAft>
+                <a:spcPct val="0"/>
+              </a:spcAft>
+              <a:defRPr sz="9300">
+                <a:solidFill>
+                  <a:schemeClr val="tx1"/>
+                </a:solidFill>
+                <a:latin typeface="Arial"/>
+              </a:defRPr>
+            </a:lvl9pPr>
+          </a:lstStyle>
+          <a:p>
+            <a:pPr algn="just"/>
+            <a:r>
+              <a:rPr lang="sr-Latn-RS" sz="3200">
+                <a:latin typeface="Titillium Web" panose="00000500000000000000" pitchFamily="2" charset="0"/>
+                <a:ea typeface="Open Sans" panose="020B0606030504020204" pitchFamily="34" charset="0"/>
+                <a:cs typeface="Open Sans" panose="020B0606030504020204" pitchFamily="34" charset="0"/>
+              </a:rPr>
+              <a:t>Prilikom treniranja Meso-4 mreže za detekciju deepfake video zapisa došli smo do zaključka da je optimalan broj epoha za treniranje iste oko </a:t>
+            </a:r>
+            <a:r>
+              <a:rPr lang="en-US" sz="3200">
+                <a:latin typeface="Titillium Web" panose="00000500000000000000" pitchFamily="2" charset="0"/>
+                <a:ea typeface="Open Sans" panose="020B0606030504020204" pitchFamily="34" charset="0"/>
+                <a:cs typeface="Open Sans" panose="020B0606030504020204" pitchFamily="34" charset="0"/>
+              </a:rPr>
+              <a:t>84</a:t>
+            </a:r>
+            <a:r>
+              <a:rPr lang="sr-Latn-RS" sz="3200">
+                <a:latin typeface="Titillium Web" panose="00000500000000000000" pitchFamily="2" charset="0"/>
+                <a:ea typeface="Open Sans" panose="020B0606030504020204" pitchFamily="34" charset="0"/>
+                <a:cs typeface="Open Sans" panose="020B0606030504020204" pitchFamily="34" charset="0"/>
+              </a:rPr>
+              <a:t>, konkretno za skup podataka koji je korišćen, a opisan u nastavku.</a:t>
+            </a:r>
+          </a:p>
+        </p:txBody>
+      </p:sp>
+      <p:graphicFrame>
+        <p:nvGraphicFramePr>
+          <p:cNvPr id="42" name="Chart 41">
+            <a:extLst>
+              <a:ext uri="{FF2B5EF4-FFF2-40B4-BE49-F238E27FC236}">
+                <a16:creationId xmlns:a16="http://schemas.microsoft.com/office/drawing/2014/main" id="{560553B8-B280-4CF6-968D-BA06C34C139F}"/>
+              </a:ext>
+            </a:extLst>
+          </p:cNvPr>
+          <p:cNvGraphicFramePr/>
+          <p:nvPr>
+            <p:extLst>
+              <p:ext uri="{D42A27DB-BD31-4B8C-83A1-F6EECF244321}">
+                <p14:modId xmlns:p14="http://schemas.microsoft.com/office/powerpoint/2010/main" val="3170917687"/>
+              </p:ext>
+            </p:extLst>
+          </p:nvPr>
+        </p:nvGraphicFramePr>
+        <p:xfrm>
+          <a:off x="22311358" y="24106253"/>
+          <a:ext cx="10058400" cy="6017895"/>
+        </p:xfrm>
+        <a:graphic>
+          <a:graphicData uri="http://schemas.openxmlformats.org/drawingml/2006/chart">
+            <c:chart xmlns:c="http://schemas.openxmlformats.org/drawingml/2006/chart" xmlns:r="http://schemas.openxmlformats.org/officeDocument/2006/relationships" r:id="rId10"/>
+          </a:graphicData>
+        </a:graphic>
+      </p:graphicFrame>
+      <p:graphicFrame>
+        <p:nvGraphicFramePr>
+          <p:cNvPr id="43" name="Chart 42">
+            <a:extLst>
+              <a:ext uri="{FF2B5EF4-FFF2-40B4-BE49-F238E27FC236}">
+                <a16:creationId xmlns:a16="http://schemas.microsoft.com/office/drawing/2014/main" id="{AE16FF3D-34A8-4392-B7E9-E818597E4CED}"/>
+              </a:ext>
+            </a:extLst>
+          </p:cNvPr>
+          <p:cNvGraphicFramePr/>
+          <p:nvPr>
+            <p:extLst>
+              <p:ext uri="{D42A27DB-BD31-4B8C-83A1-F6EECF244321}">
+                <p14:modId xmlns:p14="http://schemas.microsoft.com/office/powerpoint/2010/main" val="3849896171"/>
+              </p:ext>
+            </p:extLst>
+          </p:nvPr>
+        </p:nvGraphicFramePr>
+        <p:xfrm>
+          <a:off x="33101276" y="6971476"/>
+          <a:ext cx="10058400" cy="6017895"/>
+        </p:xfrm>
+        <a:graphic>
+          <a:graphicData uri="http://schemas.openxmlformats.org/drawingml/2006/chart">
+            <c:chart xmlns:c="http://schemas.openxmlformats.org/drawingml/2006/chart" xmlns:r="http://schemas.openxmlformats.org/officeDocument/2006/relationships" r:id="rId11"/>
+          </a:graphicData>
+        </a:graphic>
+      </p:graphicFrame>
     </p:spTree>
   </p:cSld>
   <p:clrMapOvr>

--- a/poster/poster.pptx
+++ b/poster/poster.pptx
@@ -7986,7 +7986,7 @@
         </p:nvSpPr>
         <p:spPr bwMode="auto">
           <a:xfrm>
-            <a:off x="22311358" y="10388749"/>
+            <a:off x="22311358" y="11008377"/>
             <a:ext cx="10058400" cy="784225"/>
           </a:xfrm>
           <a:prstGeom prst="rect">
@@ -8043,7 +8043,7 @@
         </p:nvSpPr>
         <p:spPr bwMode="auto">
           <a:xfrm>
-            <a:off x="22311358" y="11263729"/>
+            <a:off x="22311358" y="11927826"/>
             <a:ext cx="10058400" cy="3585597"/>
           </a:xfrm>
           <a:prstGeom prst="rect">
@@ -8190,7 +8190,7 @@
           <a:p>
             <a:pPr algn="just"/>
             <a:r>
-              <a:rPr lang="sr-Latn-RS" sz="3200">
+              <a:rPr lang="sr-Latn-RS" sz="3200" dirty="0">
                 <a:latin typeface="Titillium Web" panose="00000500000000000000" pitchFamily="2" charset="0"/>
                 <a:ea typeface="Open Sans" panose="020B0606030504020204" pitchFamily="34" charset="0"/>
                 <a:cs typeface="Open Sans" panose="020B0606030504020204" pitchFamily="34" charset="0"/>
@@ -8198,22 +8198,30 @@
               <a:t>Iteriranjem kroz epohe treniranja</a:t>
             </a:r>
             <a:r>
-              <a:rPr lang="en-US" sz="3200">
+              <a:rPr lang="en-US" sz="3200" dirty="0">
                 <a:latin typeface="Titillium Web" panose="00000500000000000000" pitchFamily="2" charset="0"/>
                 <a:ea typeface="Open Sans" panose="020B0606030504020204" pitchFamily="34" charset="0"/>
                 <a:cs typeface="Open Sans" panose="020B0606030504020204" pitchFamily="34" charset="0"/>
               </a:rPr>
-              <a:t> GAN mre</a:t>
-            </a:r>
-            <a:r>
-              <a:rPr lang="sr-Latn-RS" sz="3200">
+              <a:t> GAN </a:t>
+            </a:r>
+            <a:r>
+              <a:rPr lang="en-US" sz="3200" dirty="0" err="1">
                 <a:latin typeface="Titillium Web" panose="00000500000000000000" pitchFamily="2" charset="0"/>
                 <a:ea typeface="Open Sans" panose="020B0606030504020204" pitchFamily="34" charset="0"/>
                 <a:cs typeface="Open Sans" panose="020B0606030504020204" pitchFamily="34" charset="0"/>
               </a:rPr>
+              <a:t>mre</a:t>
+            </a:r>
+            <a:r>
+              <a:rPr lang="sr-Latn-RS" sz="3200" dirty="0">
+                <a:latin typeface="Titillium Web" panose="00000500000000000000" pitchFamily="2" charset="0"/>
+                <a:ea typeface="Open Sans" panose="020B0606030504020204" pitchFamily="34" charset="0"/>
+                <a:cs typeface="Open Sans" panose="020B0606030504020204" pitchFamily="34" charset="0"/>
+              </a:rPr>
               <a:t>že dolazimo do sve boljih rezultata koje možemo videti kroz LOSS vrednosti. Jednostavnim testiranjem došli smo do zaključka da je optimalan broj epoha pomoću kojih se dobija zadovoljavajuće rešenje oko 19000. Na toj vrednosti počinje da pada odnos boljih vrednosti u odnosu na trenutnu epohu.</a:t>
             </a:r>
-            <a:endParaRPr lang="en-US" sz="3200">
+            <a:endParaRPr lang="en-US" sz="3200" dirty="0">
               <a:latin typeface="Titillium Web" panose="00000500000000000000" pitchFamily="2" charset="0"/>
               <a:ea typeface="Open Sans" panose="020B0606030504020204" pitchFamily="34" charset="0"/>
               <a:cs typeface="Open Sans" panose="020B0606030504020204" pitchFamily="34" charset="0"/>
@@ -9080,7 +9088,7 @@
         <p:spPr bwMode="auto">
           <a:xfrm>
             <a:off x="22311358" y="8000231"/>
-            <a:ext cx="10058400" cy="2108269"/>
+            <a:ext cx="10058400" cy="3093154"/>
           </a:xfrm>
           <a:prstGeom prst="rect">
             <a:avLst/>
@@ -9226,7 +9234,7 @@
           <a:p>
             <a:pPr algn="just"/>
             <a:r>
-              <a:rPr lang="sr-Latn-RS" sz="3200">
+              <a:rPr lang="sr-Latn-RS" sz="3200" dirty="0">
                 <a:latin typeface="Titillium Web" panose="00000500000000000000" pitchFamily="2" charset="0"/>
                 <a:ea typeface="Open Sans" panose="020B0606030504020204" pitchFamily="34" charset="0"/>
                 <a:cs typeface="Open Sans" panose="020B0606030504020204" pitchFamily="34" charset="0"/>
@@ -9234,7 +9242,7 @@
               <a:t>Konvolutivne neuronske mreže su se koristile pri detekciji deepfake-a, a oslanjali smo se na </a:t>
             </a:r>
             <a:r>
-              <a:rPr lang="sr-Latn-RS" sz="3200" b="1">
+              <a:rPr lang="sr-Latn-RS" sz="3200" b="1" dirty="0">
                 <a:latin typeface="Titillium Web" panose="00000500000000000000" pitchFamily="2" charset="0"/>
                 <a:ea typeface="Open Sans" panose="020B0606030504020204" pitchFamily="34" charset="0"/>
                 <a:cs typeface="Open Sans" panose="020B0606030504020204" pitchFamily="34" charset="0"/>
@@ -9242,7 +9250,7 @@
               <a:t>MesoNET</a:t>
             </a:r>
             <a:r>
-              <a:rPr lang="sr-Latn-RS" sz="3200">
+              <a:rPr lang="sr-Latn-RS" sz="3200" dirty="0">
                 <a:latin typeface="Titillium Web" panose="00000500000000000000" pitchFamily="2" charset="0"/>
                 <a:ea typeface="Open Sans" panose="020B0606030504020204" pitchFamily="34" charset="0"/>
                 <a:cs typeface="Open Sans" panose="020B0606030504020204" pitchFamily="34" charset="0"/>
@@ -9250,7 +9258,7 @@
               <a:t> arhitekturu </a:t>
             </a:r>
             <a:r>
-              <a:rPr lang="en-US" sz="3200">
+              <a:rPr lang="en-US" sz="3200" dirty="0">
                 <a:latin typeface="Titillium Web" panose="00000500000000000000" pitchFamily="2" charset="0"/>
                 <a:ea typeface="Open Sans" panose="020B0606030504020204" pitchFamily="34" charset="0"/>
                 <a:cs typeface="Open Sans" panose="020B0606030504020204" pitchFamily="34" charset="0"/>
@@ -9258,7 +9266,7 @@
               <a:t>[</a:t>
             </a:r>
             <a:r>
-              <a:rPr lang="sr-Latn-RS" sz="3200">
+              <a:rPr lang="sr-Latn-RS" sz="3200" dirty="0">
                 <a:latin typeface="Titillium Web" panose="00000500000000000000" pitchFamily="2" charset="0"/>
                 <a:ea typeface="Open Sans" panose="020B0606030504020204" pitchFamily="34" charset="0"/>
                 <a:cs typeface="Open Sans" panose="020B0606030504020204" pitchFamily="34" charset="0"/>
@@ -9266,7 +9274,7 @@
               <a:t>3</a:t>
             </a:r>
             <a:r>
-              <a:rPr lang="en-US" sz="3200">
+              <a:rPr lang="en-US" sz="3200" dirty="0">
                 <a:latin typeface="Titillium Web" panose="00000500000000000000" pitchFamily="2" charset="0"/>
                 <a:ea typeface="Open Sans" panose="020B0606030504020204" pitchFamily="34" charset="0"/>
                 <a:cs typeface="Open Sans" panose="020B0606030504020204" pitchFamily="34" charset="0"/>
@@ -9274,7 +9282,7 @@
               <a:t>]</a:t>
             </a:r>
             <a:r>
-              <a:rPr lang="sr-Latn-RS" sz="3200">
+              <a:rPr lang="sr-Latn-RS" sz="3200" dirty="0">
                 <a:latin typeface="Titillium Web" panose="00000500000000000000" pitchFamily="2" charset="0"/>
                 <a:ea typeface="Open Sans" panose="020B0606030504020204" pitchFamily="34" charset="0"/>
                 <a:cs typeface="Open Sans" panose="020B0606030504020204" pitchFamily="34" charset="0"/>
@@ -9282,7 +9290,7 @@
               <a:t>, konkretno koristeći </a:t>
             </a:r>
             <a:r>
-              <a:rPr lang="sr-Latn-RS" sz="3200" b="1">
+              <a:rPr lang="sr-Latn-RS" sz="3200" b="1" dirty="0">
                 <a:latin typeface="Titillium Web" panose="00000500000000000000" pitchFamily="2" charset="0"/>
                 <a:ea typeface="Open Sans" panose="020B0606030504020204" pitchFamily="34" charset="0"/>
                 <a:cs typeface="Open Sans" panose="020B0606030504020204" pitchFamily="34" charset="0"/>
@@ -9290,12 +9298,100 @@
               <a:t>Meso-4</a:t>
             </a:r>
             <a:r>
-              <a:rPr lang="sr-Latn-RS" sz="3200">
+              <a:rPr lang="sr-Latn-RS" sz="3200" dirty="0">
                 <a:latin typeface="Titillium Web" panose="00000500000000000000" pitchFamily="2" charset="0"/>
                 <a:ea typeface="Open Sans" panose="020B0606030504020204" pitchFamily="34" charset="0"/>
                 <a:cs typeface="Open Sans" panose="020B0606030504020204" pitchFamily="34" charset="0"/>
               </a:rPr>
               <a:t> konvolucione neuronske mreže. </a:t>
+            </a:r>
+            <a:r>
+              <a:rPr lang="en-US" sz="3200" dirty="0" err="1">
+                <a:latin typeface="Titillium Web" panose="00000500000000000000" pitchFamily="2" charset="0"/>
+                <a:ea typeface="Open Sans" panose="020B0606030504020204" pitchFamily="34" charset="0"/>
+                <a:cs typeface="Open Sans" panose="020B0606030504020204" pitchFamily="34" charset="0"/>
+              </a:rPr>
+              <a:t>Klasifikacija</a:t>
+            </a:r>
+            <a:r>
+              <a:rPr lang="en-US" sz="3200" dirty="0">
+                <a:latin typeface="Titillium Web" panose="00000500000000000000" pitchFamily="2" charset="0"/>
+                <a:ea typeface="Open Sans" panose="020B0606030504020204" pitchFamily="34" charset="0"/>
+                <a:cs typeface="Open Sans" panose="020B0606030504020204" pitchFamily="34" charset="0"/>
+              </a:rPr>
+              <a:t> </a:t>
+            </a:r>
+            <a:r>
+              <a:rPr lang="en-US" sz="3200" dirty="0" err="1">
+                <a:latin typeface="Titillium Web" panose="00000500000000000000" pitchFamily="2" charset="0"/>
+                <a:ea typeface="Open Sans" panose="020B0606030504020204" pitchFamily="34" charset="0"/>
+                <a:cs typeface="Open Sans" panose="020B0606030504020204" pitchFamily="34" charset="0"/>
+              </a:rPr>
+              <a:t>realnih</a:t>
+            </a:r>
+            <a:r>
+              <a:rPr lang="en-US" sz="3200" dirty="0">
+                <a:latin typeface="Titillium Web" panose="00000500000000000000" pitchFamily="2" charset="0"/>
+                <a:ea typeface="Open Sans" panose="020B0606030504020204" pitchFamily="34" charset="0"/>
+                <a:cs typeface="Open Sans" panose="020B0606030504020204" pitchFamily="34" charset="0"/>
+              </a:rPr>
+              <a:t> </a:t>
+            </a:r>
+            <a:r>
+              <a:rPr lang="en-US" sz="3200" dirty="0" err="1">
+                <a:latin typeface="Titillium Web" panose="00000500000000000000" pitchFamily="2" charset="0"/>
+                <a:ea typeface="Open Sans" panose="020B0606030504020204" pitchFamily="34" charset="0"/>
+                <a:cs typeface="Open Sans" panose="020B0606030504020204" pitchFamily="34" charset="0"/>
+              </a:rPr>
+              <a:t>i</a:t>
+            </a:r>
+            <a:r>
+              <a:rPr lang="en-US" sz="3200" dirty="0">
+                <a:latin typeface="Titillium Web" panose="00000500000000000000" pitchFamily="2" charset="0"/>
+                <a:ea typeface="Open Sans" panose="020B0606030504020204" pitchFamily="34" charset="0"/>
+                <a:cs typeface="Open Sans" panose="020B0606030504020204" pitchFamily="34" charset="0"/>
+              </a:rPr>
+              <a:t> </a:t>
+            </a:r>
+            <a:r>
+              <a:rPr lang="en-US" sz="3200" dirty="0" err="1">
+                <a:latin typeface="Titillium Web" panose="00000500000000000000" pitchFamily="2" charset="0"/>
+                <a:ea typeface="Open Sans" panose="020B0606030504020204" pitchFamily="34" charset="0"/>
+                <a:cs typeface="Open Sans" panose="020B0606030504020204" pitchFamily="34" charset="0"/>
+              </a:rPr>
+              <a:t>deepfake</a:t>
+            </a:r>
+            <a:r>
+              <a:rPr lang="en-US" sz="3200" dirty="0">
+                <a:latin typeface="Titillium Web" panose="00000500000000000000" pitchFamily="2" charset="0"/>
+                <a:ea typeface="Open Sans" panose="020B0606030504020204" pitchFamily="34" charset="0"/>
+                <a:cs typeface="Open Sans" panose="020B0606030504020204" pitchFamily="34" charset="0"/>
+              </a:rPr>
+              <a:t> video </a:t>
+            </a:r>
+            <a:r>
+              <a:rPr lang="en-US" sz="3200" dirty="0" err="1">
+                <a:latin typeface="Titillium Web" panose="00000500000000000000" pitchFamily="2" charset="0"/>
+                <a:ea typeface="Open Sans" panose="020B0606030504020204" pitchFamily="34" charset="0"/>
+                <a:cs typeface="Open Sans" panose="020B0606030504020204" pitchFamily="34" charset="0"/>
+              </a:rPr>
+              <a:t>zapisa</a:t>
+            </a:r>
+            <a:r>
+              <a:rPr lang="en-US" sz="3200" dirty="0">
+                <a:latin typeface="Titillium Web" panose="00000500000000000000" pitchFamily="2" charset="0"/>
+                <a:ea typeface="Open Sans" panose="020B0606030504020204" pitchFamily="34" charset="0"/>
+                <a:cs typeface="Open Sans" panose="020B0606030504020204" pitchFamily="34" charset="0"/>
+              </a:rPr>
+              <a:t> </a:t>
+            </a:r>
+            <a:r>
+              <a:rPr lang="sr-Latn-RS" sz="3200" dirty="0">
+                <a:latin typeface="Titillium Web" panose="00000500000000000000" pitchFamily="2" charset="0"/>
+                <a:ea typeface="Open Sans" panose="020B0606030504020204" pitchFamily="34" charset="0"/>
+                <a:cs typeface="Open Sans" panose="020B0606030504020204" pitchFamily="34" charset="0"/>
+              </a:rPr>
+              <a:t>će biti predstavljena kao binaran format, gde je 0 deepfake, a 1 realna klasa.</a:t>
             </a:r>
           </a:p>
         </p:txBody>
@@ -9554,13 +9650,13 @@
           <p:nvPr>
             <p:extLst>
               <p:ext uri="{D42A27DB-BD31-4B8C-83A1-F6EECF244321}">
-                <p14:modId xmlns:p14="http://schemas.microsoft.com/office/powerpoint/2010/main" val="2469738247"/>
+                <p14:modId xmlns:p14="http://schemas.microsoft.com/office/powerpoint/2010/main" val="2162476996"/>
               </p:ext>
             </p:extLst>
           </p:nvPr>
         </p:nvGraphicFramePr>
         <p:xfrm>
-          <a:off x="22311358" y="15144853"/>
+          <a:off x="22311358" y="15552416"/>
           <a:ext cx="10058400" cy="6017895"/>
         </p:xfrm>
         <a:graphic>
@@ -9585,7 +9681,7 @@
         </p:nvSpPr>
         <p:spPr bwMode="auto">
           <a:xfrm>
-            <a:off x="33101276" y="20802927"/>
+            <a:off x="33101276" y="23898608"/>
             <a:ext cx="10058400" cy="784225"/>
           </a:xfrm>
           <a:prstGeom prst="rect">
@@ -9642,7 +9738,7 @@
         </p:nvSpPr>
         <p:spPr bwMode="auto">
           <a:xfrm>
-            <a:off x="33101276" y="21677907"/>
+            <a:off x="33101276" y="24773588"/>
             <a:ext cx="10058400" cy="2600712"/>
           </a:xfrm>
           <a:prstGeom prst="rect">
@@ -9895,7 +9991,7 @@
         </p:nvSpPr>
         <p:spPr bwMode="auto">
           <a:xfrm>
-            <a:off x="33101276" y="13354598"/>
+            <a:off x="33101276" y="16940551"/>
             <a:ext cx="10058400" cy="784225"/>
           </a:xfrm>
           <a:prstGeom prst="rect">
@@ -9952,7 +10048,7 @@
         </p:nvSpPr>
         <p:spPr bwMode="auto">
           <a:xfrm>
-            <a:off x="33101276" y="14209559"/>
+            <a:off x="33101276" y="17795512"/>
             <a:ext cx="10058400" cy="6047809"/>
           </a:xfrm>
           <a:prstGeom prst="rect">
@@ -10099,7 +10195,7 @@
           <a:p>
             <a:pPr algn="just"/>
             <a:r>
-              <a:rPr lang="sr-Latn-RS" sz="3200">
+              <a:rPr lang="sr-Latn-RS" sz="3200" dirty="0">
                 <a:latin typeface="Titillium Web" panose="00000500000000000000" pitchFamily="2" charset="0"/>
                 <a:ea typeface="Open Sans" panose="020B0606030504020204" pitchFamily="34" charset="0"/>
                 <a:cs typeface="Open Sans" panose="020B0606030504020204" pitchFamily="34" charset="0"/>
@@ -10110,7 +10206,7 @@
           <a:p>
             <a:pPr algn="just"/>
             <a:r>
-              <a:rPr lang="sr-Latn-RS" sz="3200">
+              <a:rPr lang="sr-Latn-RS" sz="3200" dirty="0">
                 <a:latin typeface="Titillium Web" panose="00000500000000000000" pitchFamily="2" charset="0"/>
                 <a:ea typeface="Open Sans" panose="020B0606030504020204" pitchFamily="34" charset="0"/>
                 <a:cs typeface="Open Sans" panose="020B0606030504020204" pitchFamily="34" charset="0"/>
@@ -10118,7 +10214,7 @@
               <a:t>Za potrebe detekcije deepfake video zapisa prilikom treniranja korišćen je javno dostupan skup podataka koji je izvučen iz rada o MesoNET arhitekturi </a:t>
             </a:r>
             <a:r>
-              <a:rPr lang="en-US" sz="3200">
+              <a:rPr lang="en-US" sz="3200" dirty="0">
                 <a:latin typeface="Titillium Web" panose="00000500000000000000" pitchFamily="2" charset="0"/>
                 <a:ea typeface="Open Sans" panose="020B0606030504020204" pitchFamily="34" charset="0"/>
                 <a:cs typeface="Open Sans" panose="020B0606030504020204" pitchFamily="34" charset="0"/>
@@ -10126,7 +10222,7 @@
               <a:t>[</a:t>
             </a:r>
             <a:r>
-              <a:rPr lang="sr-Latn-RS" sz="3200">
+              <a:rPr lang="sr-Latn-RS" sz="3200" dirty="0">
                 <a:latin typeface="Titillium Web" panose="00000500000000000000" pitchFamily="2" charset="0"/>
                 <a:ea typeface="Open Sans" panose="020B0606030504020204" pitchFamily="34" charset="0"/>
                 <a:cs typeface="Open Sans" panose="020B0606030504020204" pitchFamily="34" charset="0"/>
@@ -10134,7 +10230,7 @@
               <a:t>4</a:t>
             </a:r>
             <a:r>
-              <a:rPr lang="en-US" sz="3200">
+              <a:rPr lang="en-US" sz="3200" dirty="0">
                 <a:latin typeface="Titillium Web" panose="00000500000000000000" pitchFamily="2" charset="0"/>
                 <a:ea typeface="Open Sans" panose="020B0606030504020204" pitchFamily="34" charset="0"/>
                 <a:cs typeface="Open Sans" panose="020B0606030504020204" pitchFamily="34" charset="0"/>
@@ -10142,7 +10238,7 @@
               <a:t>]</a:t>
             </a:r>
             <a:r>
-              <a:rPr lang="sr-Latn-RS" sz="3200">
+              <a:rPr lang="sr-Latn-RS" sz="3200" dirty="0">
                 <a:latin typeface="Titillium Web" panose="00000500000000000000" pitchFamily="2" charset="0"/>
                 <a:ea typeface="Open Sans" panose="020B0606030504020204" pitchFamily="34" charset="0"/>
                 <a:cs typeface="Open Sans" panose="020B0606030504020204" pitchFamily="34" charset="0"/>
@@ -10153,7 +10249,7 @@
           <a:p>
             <a:pPr algn="just"/>
             <a:r>
-              <a:rPr lang="sr-Latn-RS" sz="3200">
+              <a:rPr lang="sr-Latn-RS" sz="3200" dirty="0">
                 <a:latin typeface="Titillium Web" panose="00000500000000000000" pitchFamily="2" charset="0"/>
                 <a:ea typeface="Open Sans" panose="020B0606030504020204" pitchFamily="34" charset="0"/>
                 <a:cs typeface="Open Sans" panose="020B0606030504020204" pitchFamily="34" charset="0"/>
@@ -10179,8 +10275,8 @@
         </p:nvSpPr>
         <p:spPr bwMode="auto">
           <a:xfrm>
-            <a:off x="22311358" y="21552307"/>
-            <a:ext cx="10058400" cy="2108269"/>
+            <a:off x="22311358" y="21669688"/>
+            <a:ext cx="10058400" cy="6047809"/>
           </a:xfrm>
           <a:prstGeom prst="rect">
             <a:avLst/>
@@ -10326,7 +10422,7 @@
           <a:p>
             <a:pPr algn="just"/>
             <a:r>
-              <a:rPr lang="sr-Latn-RS" sz="3200">
+              <a:rPr lang="sr-Latn-RS" sz="3200" dirty="0">
                 <a:latin typeface="Titillium Web" panose="00000500000000000000" pitchFamily="2" charset="0"/>
                 <a:ea typeface="Open Sans" panose="020B0606030504020204" pitchFamily="34" charset="0"/>
                 <a:cs typeface="Open Sans" panose="020B0606030504020204" pitchFamily="34" charset="0"/>
@@ -10334,7 +10430,7 @@
               <a:t>Prilikom treniranja Meso-4 mreže za detekciju deepfake video zapisa došli smo do zaključka da je optimalan broj epoha za treniranje iste oko </a:t>
             </a:r>
             <a:r>
-              <a:rPr lang="en-US" sz="3200">
+              <a:rPr lang="en-US" sz="3200" dirty="0">
                 <a:latin typeface="Titillium Web" panose="00000500000000000000" pitchFamily="2" charset="0"/>
                 <a:ea typeface="Open Sans" panose="020B0606030504020204" pitchFamily="34" charset="0"/>
                 <a:cs typeface="Open Sans" panose="020B0606030504020204" pitchFamily="34" charset="0"/>
@@ -10342,13 +10438,290 @@
               <a:t>84</a:t>
             </a:r>
             <a:r>
-              <a:rPr lang="sr-Latn-RS" sz="3200">
+              <a:rPr lang="sr-Latn-RS" sz="3200" dirty="0">
                 <a:latin typeface="Titillium Web" panose="00000500000000000000" pitchFamily="2" charset="0"/>
                 <a:ea typeface="Open Sans" panose="020B0606030504020204" pitchFamily="34" charset="0"/>
                 <a:cs typeface="Open Sans" panose="020B0606030504020204" pitchFamily="34" charset="0"/>
               </a:rPr>
               <a:t>, konkretno za skup podataka koji je korišćen, a opisan u nastavku.</a:t>
             </a:r>
+            <a:r>
+              <a:rPr lang="en-US" sz="3200" dirty="0">
+                <a:latin typeface="Titillium Web" panose="00000500000000000000" pitchFamily="2" charset="0"/>
+                <a:ea typeface="Open Sans" panose="020B0606030504020204" pitchFamily="34" charset="0"/>
+                <a:cs typeface="Open Sans" panose="020B0606030504020204" pitchFamily="34" charset="0"/>
+              </a:rPr>
+              <a:t> </a:t>
+            </a:r>
+            <a:r>
+              <a:rPr lang="en-US" sz="3200" dirty="0" err="1">
+                <a:latin typeface="Titillium Web" panose="00000500000000000000" pitchFamily="2" charset="0"/>
+                <a:ea typeface="Open Sans" panose="020B0606030504020204" pitchFamily="34" charset="0"/>
+                <a:cs typeface="Open Sans" panose="020B0606030504020204" pitchFamily="34" charset="0"/>
+              </a:rPr>
+              <a:t>Najmanja</a:t>
+            </a:r>
+            <a:r>
+              <a:rPr lang="en-US" sz="3200" dirty="0">
+                <a:latin typeface="Titillium Web" panose="00000500000000000000" pitchFamily="2" charset="0"/>
+                <a:ea typeface="Open Sans" panose="020B0606030504020204" pitchFamily="34" charset="0"/>
+                <a:cs typeface="Open Sans" panose="020B0606030504020204" pitchFamily="34" charset="0"/>
+              </a:rPr>
+              <a:t> </a:t>
+            </a:r>
+            <a:r>
+              <a:rPr lang="en-US" sz="3200" dirty="0" err="1">
+                <a:latin typeface="Titillium Web" panose="00000500000000000000" pitchFamily="2" charset="0"/>
+                <a:ea typeface="Open Sans" panose="020B0606030504020204" pitchFamily="34" charset="0"/>
+                <a:cs typeface="Open Sans" panose="020B0606030504020204" pitchFamily="34" charset="0"/>
+              </a:rPr>
+              <a:t>gre</a:t>
+            </a:r>
+            <a:r>
+              <a:rPr lang="sr-Latn-RS" sz="3200" dirty="0">
+                <a:latin typeface="Titillium Web" panose="00000500000000000000" pitchFamily="2" charset="0"/>
+                <a:ea typeface="Open Sans" panose="020B0606030504020204" pitchFamily="34" charset="0"/>
+                <a:cs typeface="Open Sans" panose="020B0606030504020204" pitchFamily="34" charset="0"/>
+              </a:rPr>
+              <a:t>ška kvadrata srednjih vrednosti (skr. </a:t>
+            </a:r>
+            <a:r>
+              <a:rPr lang="sr-Latn-RS" sz="3200" b="1" dirty="0">
+                <a:latin typeface="Titillium Web" panose="00000500000000000000" pitchFamily="2" charset="0"/>
+                <a:ea typeface="Open Sans" panose="020B0606030504020204" pitchFamily="34" charset="0"/>
+                <a:cs typeface="Open Sans" panose="020B0606030504020204" pitchFamily="34" charset="0"/>
+              </a:rPr>
+              <a:t>MSE</a:t>
+            </a:r>
+            <a:r>
+              <a:rPr lang="sr-Latn-RS" sz="3200" dirty="0">
+                <a:latin typeface="Titillium Web" panose="00000500000000000000" pitchFamily="2" charset="0"/>
+                <a:ea typeface="Open Sans" panose="020B0606030504020204" pitchFamily="34" charset="0"/>
+                <a:cs typeface="Open Sans" panose="020B0606030504020204" pitchFamily="34" charset="0"/>
+              </a:rPr>
+              <a:t>) je </a:t>
+            </a:r>
+            <a:r>
+              <a:rPr lang="sr-Latn-RS" sz="3200" i="1" dirty="0">
+                <a:latin typeface="Titillium Web" panose="00000500000000000000" pitchFamily="2" charset="0"/>
+                <a:ea typeface="Open Sans" panose="020B0606030504020204" pitchFamily="34" charset="0"/>
+                <a:cs typeface="Open Sans" panose="020B0606030504020204" pitchFamily="34" charset="0"/>
+              </a:rPr>
+              <a:t>0.00638</a:t>
+            </a:r>
+            <a:r>
+              <a:rPr lang="sr-Latn-RS" sz="3200" dirty="0">
+                <a:latin typeface="Titillium Web" panose="00000500000000000000" pitchFamily="2" charset="0"/>
+                <a:ea typeface="Open Sans" panose="020B0606030504020204" pitchFamily="34" charset="0"/>
+                <a:cs typeface="Open Sans" panose="020B0606030504020204" pitchFamily="34" charset="0"/>
+              </a:rPr>
+              <a:t>, a tačnost (eng. </a:t>
+            </a:r>
+            <a:r>
+              <a:rPr lang="sr-Latn-RS" sz="3200" b="1" dirty="0">
+                <a:latin typeface="Titillium Web" panose="00000500000000000000" pitchFamily="2" charset="0"/>
+                <a:ea typeface="Open Sans" panose="020B0606030504020204" pitchFamily="34" charset="0"/>
+                <a:cs typeface="Open Sans" panose="020B0606030504020204" pitchFamily="34" charset="0"/>
+              </a:rPr>
+              <a:t>accuracy</a:t>
+            </a:r>
+            <a:r>
+              <a:rPr lang="sr-Latn-RS" sz="3200" dirty="0">
+                <a:latin typeface="Titillium Web" panose="00000500000000000000" pitchFamily="2" charset="0"/>
+                <a:ea typeface="Open Sans" panose="020B0606030504020204" pitchFamily="34" charset="0"/>
+                <a:cs typeface="Open Sans" panose="020B0606030504020204" pitchFamily="34" charset="0"/>
+              </a:rPr>
+              <a:t>) je</a:t>
+            </a:r>
+            <a:r>
+              <a:rPr lang="sr-Latn-RS" sz="3200" i="1" dirty="0">
+                <a:latin typeface="Titillium Web" panose="00000500000000000000" pitchFamily="2" charset="0"/>
+                <a:ea typeface="Open Sans" panose="020B0606030504020204" pitchFamily="34" charset="0"/>
+                <a:cs typeface="Open Sans" panose="020B0606030504020204" pitchFamily="34" charset="0"/>
+              </a:rPr>
+              <a:t> 0.9918</a:t>
+            </a:r>
+            <a:r>
+              <a:rPr lang="sr-Latn-RS" sz="3200" dirty="0">
+                <a:latin typeface="Titillium Web" panose="00000500000000000000" pitchFamily="2" charset="0"/>
+                <a:ea typeface="Open Sans" panose="020B0606030504020204" pitchFamily="34" charset="0"/>
+                <a:cs typeface="Open Sans" panose="020B0606030504020204" pitchFamily="34" charset="0"/>
+              </a:rPr>
+              <a:t>. </a:t>
+            </a:r>
+            <a:r>
+              <a:rPr lang="en-US" sz="3200" dirty="0" err="1">
+                <a:latin typeface="Titillium Web" panose="00000500000000000000" pitchFamily="2" charset="0"/>
+                <a:ea typeface="Open Sans" panose="020B0606030504020204" pitchFamily="34" charset="0"/>
+                <a:cs typeface="Open Sans" panose="020B0606030504020204" pitchFamily="34" charset="0"/>
+              </a:rPr>
+              <a:t>Evaluaciju</a:t>
+            </a:r>
+            <a:r>
+              <a:rPr lang="en-US" sz="3200" dirty="0">
+                <a:latin typeface="Titillium Web" panose="00000500000000000000" pitchFamily="2" charset="0"/>
+                <a:ea typeface="Open Sans" panose="020B0606030504020204" pitchFamily="34" charset="0"/>
+                <a:cs typeface="Open Sans" panose="020B0606030504020204" pitchFamily="34" charset="0"/>
+              </a:rPr>
+              <a:t> </a:t>
+            </a:r>
+            <a:r>
+              <a:rPr lang="en-US" sz="3200" dirty="0" err="1">
+                <a:latin typeface="Titillium Web" panose="00000500000000000000" pitchFamily="2" charset="0"/>
+                <a:ea typeface="Open Sans" panose="020B0606030504020204" pitchFamily="34" charset="0"/>
+                <a:cs typeface="Open Sans" panose="020B0606030504020204" pitchFamily="34" charset="0"/>
+              </a:rPr>
+              <a:t>ovog</a:t>
+            </a:r>
+            <a:r>
+              <a:rPr lang="en-US" sz="3200" dirty="0">
+                <a:latin typeface="Titillium Web" panose="00000500000000000000" pitchFamily="2" charset="0"/>
+                <a:ea typeface="Open Sans" panose="020B0606030504020204" pitchFamily="34" charset="0"/>
+                <a:cs typeface="Open Sans" panose="020B0606030504020204" pitchFamily="34" charset="0"/>
+              </a:rPr>
+              <a:t> </a:t>
+            </a:r>
+            <a:r>
+              <a:rPr lang="en-US" sz="3200" dirty="0" err="1">
+                <a:latin typeface="Titillium Web" panose="00000500000000000000" pitchFamily="2" charset="0"/>
+                <a:ea typeface="Open Sans" panose="020B0606030504020204" pitchFamily="34" charset="0"/>
+                <a:cs typeface="Open Sans" panose="020B0606030504020204" pitchFamily="34" charset="0"/>
+              </a:rPr>
+              <a:t>modela</a:t>
+            </a:r>
+            <a:r>
+              <a:rPr lang="en-US" sz="3200" dirty="0">
+                <a:latin typeface="Titillium Web" panose="00000500000000000000" pitchFamily="2" charset="0"/>
+                <a:ea typeface="Open Sans" panose="020B0606030504020204" pitchFamily="34" charset="0"/>
+                <a:cs typeface="Open Sans" panose="020B0606030504020204" pitchFamily="34" charset="0"/>
+              </a:rPr>
+              <a:t> </a:t>
+            </a:r>
+            <a:r>
+              <a:rPr lang="en-US" sz="3200" dirty="0" err="1">
+                <a:latin typeface="Titillium Web" panose="00000500000000000000" pitchFamily="2" charset="0"/>
+                <a:ea typeface="Open Sans" panose="020B0606030504020204" pitchFamily="34" charset="0"/>
+                <a:cs typeface="Open Sans" panose="020B0606030504020204" pitchFamily="34" charset="0"/>
+              </a:rPr>
+              <a:t>smo</a:t>
+            </a:r>
+            <a:r>
+              <a:rPr lang="en-US" sz="3200" dirty="0">
+                <a:latin typeface="Titillium Web" panose="00000500000000000000" pitchFamily="2" charset="0"/>
+                <a:ea typeface="Open Sans" panose="020B0606030504020204" pitchFamily="34" charset="0"/>
+                <a:cs typeface="Open Sans" panose="020B0606030504020204" pitchFamily="34" charset="0"/>
+              </a:rPr>
+              <a:t> </a:t>
+            </a:r>
+            <a:r>
+              <a:rPr lang="en-US" sz="3200" dirty="0" err="1">
+                <a:latin typeface="Titillium Web" panose="00000500000000000000" pitchFamily="2" charset="0"/>
+                <a:ea typeface="Open Sans" panose="020B0606030504020204" pitchFamily="34" charset="0"/>
+                <a:cs typeface="Open Sans" panose="020B0606030504020204" pitchFamily="34" charset="0"/>
+              </a:rPr>
+              <a:t>tako</a:t>
+            </a:r>
+            <a:r>
+              <a:rPr lang="sr-Latn-RS" sz="3200" dirty="0">
+                <a:latin typeface="Titillium Web" panose="00000500000000000000" pitchFamily="2" charset="0"/>
+                <a:ea typeface="Open Sans" panose="020B0606030504020204" pitchFamily="34" charset="0"/>
+                <a:cs typeface="Open Sans" panose="020B0606030504020204" pitchFamily="34" charset="0"/>
+              </a:rPr>
+              <a:t>đe vršili i nad našim deepfake video zapisima </a:t>
+            </a:r>
+            <a:r>
+              <a:rPr lang="en-US" sz="3200" dirty="0" err="1">
+                <a:latin typeface="Titillium Web" panose="00000500000000000000" pitchFamily="2" charset="0"/>
+                <a:ea typeface="Open Sans" panose="020B0606030504020204" pitchFamily="34" charset="0"/>
+                <a:cs typeface="Open Sans" panose="020B0606030504020204" pitchFamily="34" charset="0"/>
+              </a:rPr>
+              <a:t>gde</a:t>
+            </a:r>
+            <a:r>
+              <a:rPr lang="en-US" sz="3200" dirty="0">
+                <a:latin typeface="Titillium Web" panose="00000500000000000000" pitchFamily="2" charset="0"/>
+                <a:ea typeface="Open Sans" panose="020B0606030504020204" pitchFamily="34" charset="0"/>
+                <a:cs typeface="Open Sans" panose="020B0606030504020204" pitchFamily="34" charset="0"/>
+              </a:rPr>
+              <a:t> je </a:t>
+            </a:r>
+            <a:r>
+              <a:rPr lang="en-US" sz="3200" dirty="0" err="1">
+                <a:latin typeface="Titillium Web" panose="00000500000000000000" pitchFamily="2" charset="0"/>
+                <a:ea typeface="Open Sans" panose="020B0606030504020204" pitchFamily="34" charset="0"/>
+                <a:cs typeface="Open Sans" panose="020B0606030504020204" pitchFamily="34" charset="0"/>
+              </a:rPr>
+              <a:t>dava</a:t>
+            </a:r>
+            <a:r>
+              <a:rPr lang="sr-Latn-RS" sz="3200" dirty="0">
+                <a:latin typeface="Titillium Web" panose="00000500000000000000" pitchFamily="2" charset="0"/>
+                <a:ea typeface="Open Sans" panose="020B0606030504020204" pitchFamily="34" charset="0"/>
+                <a:cs typeface="Open Sans" panose="020B0606030504020204" pitchFamily="34" charset="0"/>
+              </a:rPr>
+              <a:t>o srednju vrednost predikcija pojedinačnih frejmova video zapisa. U velik broj slučajeva je davao predikciju koja je manja od 0.8 što pokazuje da ovaj model</a:t>
+            </a:r>
+            <a:r>
+              <a:rPr lang="en-US" sz="3200" dirty="0">
+                <a:latin typeface="Titillium Web" panose="00000500000000000000" pitchFamily="2" charset="0"/>
+                <a:ea typeface="Open Sans" panose="020B0606030504020204" pitchFamily="34" charset="0"/>
+                <a:cs typeface="Open Sans" panose="020B0606030504020204" pitchFamily="34" charset="0"/>
+              </a:rPr>
+              <a:t> </a:t>
+            </a:r>
+            <a:r>
+              <a:rPr lang="sr-Latn-RS" sz="3200" dirty="0">
+                <a:latin typeface="Titillium Web" panose="00000500000000000000" pitchFamily="2" charset="0"/>
+                <a:ea typeface="Open Sans" panose="020B0606030504020204" pitchFamily="34" charset="0"/>
+                <a:cs typeface="Open Sans" panose="020B0606030504020204" pitchFamily="34" charset="0"/>
+              </a:rPr>
+              <a:t>može da prepozna i da pokaže kvalitet</a:t>
+            </a:r>
+            <a:r>
+              <a:rPr lang="en-US" sz="3200" dirty="0">
+                <a:latin typeface="Titillium Web" panose="00000500000000000000" pitchFamily="2" charset="0"/>
+                <a:ea typeface="Open Sans" panose="020B0606030504020204" pitchFamily="34" charset="0"/>
+                <a:cs typeface="Open Sans" panose="020B0606030504020204" pitchFamily="34" charset="0"/>
+              </a:rPr>
+              <a:t> </a:t>
+            </a:r>
+            <a:r>
+              <a:rPr lang="en-US" sz="3200" dirty="0" err="1">
+                <a:latin typeface="Titillium Web" panose="00000500000000000000" pitchFamily="2" charset="0"/>
+                <a:ea typeface="Open Sans" panose="020B0606030504020204" pitchFamily="34" charset="0"/>
+                <a:cs typeface="Open Sans" panose="020B0606030504020204" pitchFamily="34" charset="0"/>
+              </a:rPr>
+              <a:t>deepfake</a:t>
+            </a:r>
+            <a:r>
+              <a:rPr lang="en-US" sz="3200" dirty="0">
+                <a:latin typeface="Titillium Web" panose="00000500000000000000" pitchFamily="2" charset="0"/>
+                <a:ea typeface="Open Sans" panose="020B0606030504020204" pitchFamily="34" charset="0"/>
+                <a:cs typeface="Open Sans" panose="020B0606030504020204" pitchFamily="34" charset="0"/>
+              </a:rPr>
+              <a:t> video </a:t>
+            </a:r>
+            <a:r>
+              <a:rPr lang="en-US" sz="3200" dirty="0" err="1">
+                <a:latin typeface="Titillium Web" panose="00000500000000000000" pitchFamily="2" charset="0"/>
+                <a:ea typeface="Open Sans" panose="020B0606030504020204" pitchFamily="34" charset="0"/>
+                <a:cs typeface="Open Sans" panose="020B0606030504020204" pitchFamily="34" charset="0"/>
+              </a:rPr>
+              <a:t>zapisa</a:t>
+            </a:r>
+            <a:r>
+              <a:rPr lang="en-US" sz="3200" dirty="0">
+                <a:latin typeface="Titillium Web" panose="00000500000000000000" pitchFamily="2" charset="0"/>
+                <a:ea typeface="Open Sans" panose="020B0606030504020204" pitchFamily="34" charset="0"/>
+                <a:cs typeface="Open Sans" panose="020B0606030504020204" pitchFamily="34" charset="0"/>
+              </a:rPr>
+              <a:t>. </a:t>
+            </a:r>
+            <a:endParaRPr lang="sr-Latn-RS" sz="3200" dirty="0">
+              <a:latin typeface="Titillium Web" panose="00000500000000000000" pitchFamily="2" charset="0"/>
+              <a:ea typeface="Open Sans" panose="020B0606030504020204" pitchFamily="34" charset="0"/>
+              <a:cs typeface="Open Sans" panose="020B0606030504020204" pitchFamily="34" charset="0"/>
+            </a:endParaRPr>
           </a:p>
         </p:txBody>
       </p:sp>
@@ -10365,14 +10738,14 @@
           <p:nvPr>
             <p:extLst>
               <p:ext uri="{D42A27DB-BD31-4B8C-83A1-F6EECF244321}">
-                <p14:modId xmlns:p14="http://schemas.microsoft.com/office/powerpoint/2010/main" val="3170917687"/>
+                <p14:modId xmlns:p14="http://schemas.microsoft.com/office/powerpoint/2010/main" val="2761072136"/>
               </p:ext>
             </p:extLst>
           </p:nvPr>
         </p:nvGraphicFramePr>
         <p:xfrm>
-          <a:off x="22311358" y="24106253"/>
-          <a:ext cx="10058400" cy="6017895"/>
+          <a:off x="33993851" y="7181151"/>
+          <a:ext cx="8071888" cy="4702335"/>
         </p:xfrm>
         <a:graphic>
           <a:graphicData uri="http://schemas.openxmlformats.org/drawingml/2006/chart">
@@ -10393,14 +10766,14 @@
           <p:nvPr>
             <p:extLst>
               <p:ext uri="{D42A27DB-BD31-4B8C-83A1-F6EECF244321}">
-                <p14:modId xmlns:p14="http://schemas.microsoft.com/office/powerpoint/2010/main" val="3849896171"/>
+                <p14:modId xmlns:p14="http://schemas.microsoft.com/office/powerpoint/2010/main" val="33043660"/>
               </p:ext>
             </p:extLst>
           </p:nvPr>
         </p:nvGraphicFramePr>
         <p:xfrm>
-          <a:off x="33101276" y="6971476"/>
-          <a:ext cx="10058400" cy="6017895"/>
+          <a:off x="33696326" y="12161398"/>
+          <a:ext cx="8666939" cy="4598346"/>
         </p:xfrm>
         <a:graphic>
           <a:graphicData uri="http://schemas.openxmlformats.org/drawingml/2006/chart">
